--- a/Dcoders.pptx
+++ b/Dcoders.pptx
@@ -13,23 +13,25 @@
     <p:sldId id="258" r:id="rId7"/>
     <p:sldId id="259" r:id="rId8"/>
     <p:sldId id="260" r:id="rId9"/>
+    <p:sldId id="261" r:id="rId10"/>
+    <p:sldId id="262" r:id="rId11"/>
   </p:sldIdLst>
   <p:sldSz cy="5143500" cx="9144000"/>
   <p:notesSz cx="7559675" cy="10691475"/>
   <p:embeddedFontLst>
     <p:embeddedFont>
       <p:font typeface="Corsiva"/>
-      <p:regular r:id="rId10"/>
-      <p:bold r:id="rId11"/>
-      <p:italic r:id="rId12"/>
-      <p:boldItalic r:id="rId13"/>
+      <p:regular r:id="rId12"/>
+      <p:bold r:id="rId13"/>
+      <p:italic r:id="rId14"/>
+      <p:boldItalic r:id="rId15"/>
     </p:embeddedFont>
     <p:embeddedFont>
       <p:font typeface="Ubuntu"/>
-      <p:regular r:id="rId14"/>
-      <p:bold r:id="rId15"/>
-      <p:italic r:id="rId16"/>
-      <p:boldItalic r:id="rId17"/>
+      <p:regular r:id="rId16"/>
+      <p:bold r:id="rId17"/>
+      <p:italic r:id="rId18"/>
+      <p:boldItalic r:id="rId19"/>
     </p:embeddedFont>
   </p:embeddedFontLst>
   <p:defaultTextStyle>
@@ -1084,7 +1086,7 @@
   <p:cSld>
     <p:spTree>
       <p:nvGrpSpPr>
-        <p:cNvPr id="115" name="Shape 115"/>
+        <p:cNvPr id="117" name="Shape 117"/>
         <p:cNvGrpSpPr/>
         <p:nvPr/>
       </p:nvGrpSpPr>
@@ -1098,7 +1100,7 @@
       </p:grpSpPr>
       <p:sp>
         <p:nvSpPr>
-          <p:cNvPr id="116" name="Google Shape;116;p5:notes"/>
+          <p:cNvPr id="118" name="Google Shape;118;p5:notes"/>
           <p:cNvSpPr txBox="1"/>
           <p:nvPr>
             <p:ph idx="1" type="body"/>
@@ -1137,7 +1139,7 @@
       </p:sp>
       <p:sp>
         <p:nvSpPr>
-          <p:cNvPr id="117" name="Google Shape;117;p5:notes"/>
+          <p:cNvPr id="119" name="Google Shape;119;p5:notes"/>
           <p:cNvSpPr/>
           <p:nvPr>
             <p:ph idx="2" type="sldImg"/>
@@ -1147,6 +1149,202 @@
           <a:xfrm>
             <a:off x="1260175" y="801850"/>
             <a:ext cx="5040025" cy="4009300"/>
+          </a:xfrm>
+          <a:custGeom>
+            <a:pathLst>
+              <a:path extrusionOk="0" h="120000" w="120000">
+                <a:moveTo>
+                  <a:pt x="0" y="0"/>
+                </a:moveTo>
+                <a:lnTo>
+                  <a:pt x="120000" y="0"/>
+                </a:lnTo>
+                <a:lnTo>
+                  <a:pt x="120000" y="120000"/>
+                </a:lnTo>
+                <a:lnTo>
+                  <a:pt x="0" y="120000"/>
+                </a:lnTo>
+                <a:close/>
+              </a:path>
+            </a:pathLst>
+          </a:custGeom>
+        </p:spPr>
+      </p:sp>
+    </p:spTree>
+  </p:cSld>
+  <p:clrMapOvr>
+    <a:masterClrMapping/>
+  </p:clrMapOvr>
+</p:notes>
+</file>
+
+<file path=ppt/notesSlides/notesSlide6.xml><?xml version="1.0" encoding="utf-8"?>
+<p:notes xmlns:a="http://schemas.openxmlformats.org/drawingml/2006/main" xmlns:r="http://schemas.openxmlformats.org/officeDocument/2006/relationships" xmlns:mc="http://schemas.openxmlformats.org/markup-compatibility/2006" xmlns:mv="urn:schemas-microsoft-com:mac:vml" xmlns:p="http://schemas.openxmlformats.org/presentationml/2006/main" xmlns:c="http://schemas.openxmlformats.org/drawingml/2006/chart" xmlns:dgm="http://schemas.openxmlformats.org/drawingml/2006/diagram" xmlns:o="urn:schemas-microsoft-com:office:office" xmlns:v="urn:schemas-microsoft-com:vml" xmlns:pvml="urn:schemas-microsoft-com:office:powerpoint" xmlns:com="http://schemas.openxmlformats.org/drawingml/2006/compatibility" xmlns:p14="http://schemas.microsoft.com/office/powerpoint/2010/main" xmlns:p15="http://schemas.microsoft.com/office/powerpoint/2012/main" showMasterPhAnim="0" showMasterSp="0">
+  <p:cSld>
+    <p:spTree>
+      <p:nvGrpSpPr>
+        <p:cNvPr id="127" name="Shape 127"/>
+        <p:cNvGrpSpPr/>
+        <p:nvPr/>
+      </p:nvGrpSpPr>
+      <p:grpSpPr>
+        <a:xfrm>
+          <a:off x="0" y="0"/>
+          <a:ext cx="0" cy="0"/>
+          <a:chOff x="0" y="0"/>
+          <a:chExt cx="0" cy="0"/>
+        </a:xfrm>
+      </p:grpSpPr>
+      <p:sp>
+        <p:nvSpPr>
+          <p:cNvPr id="128" name="Google Shape;128;g3a6ee98ad4_0_0:notes"/>
+          <p:cNvSpPr txBox="1"/>
+          <p:nvPr>
+            <p:ph idx="1" type="body"/>
+          </p:nvPr>
+        </p:nvSpPr>
+        <p:spPr>
+          <a:xfrm>
+            <a:off x="755950" y="5078450"/>
+            <a:ext cx="6047700" cy="4811100"/>
+          </a:xfrm>
+          <a:prstGeom prst="rect">
+            <a:avLst/>
+          </a:prstGeom>
+        </p:spPr>
+        <p:txBody>
+          <a:bodyPr anchorCtr="0" anchor="t" bIns="91425" lIns="91425" spcFirstLastPara="1" rIns="91425" wrap="square" tIns="91425">
+            <a:noAutofit/>
+          </a:bodyPr>
+          <a:lstStyle/>
+          <a:p>
+            <a:pPr indent="0" lvl="0" marL="0" rtl="0">
+              <a:spcBef>
+                <a:spcPts val="0"/>
+              </a:spcBef>
+              <a:spcAft>
+                <a:spcPts val="0"/>
+              </a:spcAft>
+              <a:buNone/>
+            </a:pPr>
+            <a:r>
+              <a:t/>
+            </a:r>
+            <a:endParaRPr/>
+          </a:p>
+        </p:txBody>
+      </p:sp>
+      <p:sp>
+        <p:nvSpPr>
+          <p:cNvPr id="129" name="Google Shape;129;g3a6ee98ad4_0_0:notes"/>
+          <p:cNvSpPr/>
+          <p:nvPr>
+            <p:ph idx="2" type="sldImg"/>
+          </p:nvPr>
+        </p:nvSpPr>
+        <p:spPr>
+          <a:xfrm>
+            <a:off x="1260175" y="801850"/>
+            <a:ext cx="5040000" cy="4009200"/>
+          </a:xfrm>
+          <a:custGeom>
+            <a:pathLst>
+              <a:path extrusionOk="0" h="120000" w="120000">
+                <a:moveTo>
+                  <a:pt x="0" y="0"/>
+                </a:moveTo>
+                <a:lnTo>
+                  <a:pt x="120000" y="0"/>
+                </a:lnTo>
+                <a:lnTo>
+                  <a:pt x="120000" y="120000"/>
+                </a:lnTo>
+                <a:lnTo>
+                  <a:pt x="0" y="120000"/>
+                </a:lnTo>
+                <a:close/>
+              </a:path>
+            </a:pathLst>
+          </a:custGeom>
+        </p:spPr>
+      </p:sp>
+    </p:spTree>
+  </p:cSld>
+  <p:clrMapOvr>
+    <a:masterClrMapping/>
+  </p:clrMapOvr>
+</p:notes>
+</file>
+
+<file path=ppt/notesSlides/notesSlide7.xml><?xml version="1.0" encoding="utf-8"?>
+<p:notes xmlns:a="http://schemas.openxmlformats.org/drawingml/2006/main" xmlns:r="http://schemas.openxmlformats.org/officeDocument/2006/relationships" xmlns:mc="http://schemas.openxmlformats.org/markup-compatibility/2006" xmlns:mv="urn:schemas-microsoft-com:mac:vml" xmlns:p="http://schemas.openxmlformats.org/presentationml/2006/main" xmlns:c="http://schemas.openxmlformats.org/drawingml/2006/chart" xmlns:dgm="http://schemas.openxmlformats.org/drawingml/2006/diagram" xmlns:o="urn:schemas-microsoft-com:office:office" xmlns:v="urn:schemas-microsoft-com:vml" xmlns:pvml="urn:schemas-microsoft-com:office:powerpoint" xmlns:com="http://schemas.openxmlformats.org/drawingml/2006/compatibility" xmlns:p14="http://schemas.microsoft.com/office/powerpoint/2010/main" xmlns:p15="http://schemas.microsoft.com/office/powerpoint/2012/main" showMasterPhAnim="0" showMasterSp="0">
+  <p:cSld>
+    <p:spTree>
+      <p:nvGrpSpPr>
+        <p:cNvPr id="136" name="Shape 136"/>
+        <p:cNvGrpSpPr/>
+        <p:nvPr/>
+      </p:nvGrpSpPr>
+      <p:grpSpPr>
+        <a:xfrm>
+          <a:off x="0" y="0"/>
+          <a:ext cx="0" cy="0"/>
+          <a:chOff x="0" y="0"/>
+          <a:chExt cx="0" cy="0"/>
+        </a:xfrm>
+      </p:grpSpPr>
+      <p:sp>
+        <p:nvSpPr>
+          <p:cNvPr id="137" name="Google Shape;137;g3a6ee98ad4_0_9:notes"/>
+          <p:cNvSpPr txBox="1"/>
+          <p:nvPr>
+            <p:ph idx="1" type="body"/>
+          </p:nvPr>
+        </p:nvSpPr>
+        <p:spPr>
+          <a:xfrm>
+            <a:off x="755950" y="5078450"/>
+            <a:ext cx="6047700" cy="4811100"/>
+          </a:xfrm>
+          <a:prstGeom prst="rect">
+            <a:avLst/>
+          </a:prstGeom>
+        </p:spPr>
+        <p:txBody>
+          <a:bodyPr anchorCtr="0" anchor="t" bIns="91425" lIns="91425" spcFirstLastPara="1" rIns="91425" wrap="square" tIns="91425">
+            <a:noAutofit/>
+          </a:bodyPr>
+          <a:lstStyle/>
+          <a:p>
+            <a:pPr indent="0" lvl="0" marL="0" rtl="0">
+              <a:spcBef>
+                <a:spcPts val="0"/>
+              </a:spcBef>
+              <a:spcAft>
+                <a:spcPts val="0"/>
+              </a:spcAft>
+              <a:buNone/>
+            </a:pPr>
+            <a:r>
+              <a:t/>
+            </a:r>
+            <a:endParaRPr/>
+          </a:p>
+        </p:txBody>
+      </p:sp>
+      <p:sp>
+        <p:nvSpPr>
+          <p:cNvPr id="138" name="Google Shape;138;g3a6ee98ad4_0_9:notes"/>
+          <p:cNvSpPr/>
+          <p:nvPr>
+            <p:ph idx="2" type="sldImg"/>
+          </p:nvPr>
+        </p:nvSpPr>
+        <p:spPr>
+          <a:xfrm>
+            <a:off x="1260175" y="801850"/>
+            <a:ext cx="5040000" cy="4009200"/>
           </a:xfrm>
           <a:custGeom>
             <a:pathLst>
@@ -9260,7 +9458,31 @@
                 <a:cs typeface="Ubuntu"/>
                 <a:sym typeface="Ubuntu"/>
               </a:rPr>
-              <a:t>Hardware &amp;Software</a:t>
+              <a:t>Hardware &amp;</a:t>
+            </a:r>
+            <a:r>
+              <a:rPr b="1" lang="en-IN" sz="2800">
+                <a:solidFill>
+                  <a:srgbClr val="FFFFFF"/>
+                </a:solidFill>
+                <a:latin typeface="Ubuntu"/>
+                <a:ea typeface="Ubuntu"/>
+                <a:cs typeface="Ubuntu"/>
+                <a:sym typeface="Ubuntu"/>
+              </a:rPr>
+              <a:t> </a:t>
+            </a:r>
+            <a:r>
+              <a:rPr b="1" i="0" lang="en-IN" sz="2800" u="none" cap="none" strike="noStrike">
+                <a:solidFill>
+                  <a:srgbClr val="FFFFFF"/>
+                </a:solidFill>
+                <a:latin typeface="Ubuntu"/>
+                <a:ea typeface="Ubuntu"/>
+                <a:cs typeface="Ubuntu"/>
+                <a:sym typeface="Ubuntu"/>
+              </a:rPr>
+              <a:t>Software</a:t>
             </a:r>
             <a:endParaRPr b="0" i="0" sz="2800" u="none" cap="none" strike="noStrike">
               <a:solidFill>
@@ -9371,7 +9593,7 @@
         </p:blipFill>
         <p:spPr>
           <a:xfrm>
-            <a:off x="2639055" y="627480"/>
+            <a:off x="2808105" y="516255"/>
             <a:ext cx="2413800" cy="1300320"/>
           </a:xfrm>
           <a:prstGeom prst="rect">
@@ -9398,7 +9620,7 @@
         </p:blipFill>
         <p:spPr>
           <a:xfrm>
-            <a:off x="7022875" y="627485"/>
+            <a:off x="2563925" y="3569610"/>
             <a:ext cx="2121120" cy="1413720"/>
           </a:xfrm>
           <a:prstGeom prst="rect">
@@ -9425,7 +9647,7 @@
         </p:blipFill>
         <p:spPr>
           <a:xfrm>
-            <a:off x="339485" y="334075"/>
+            <a:off x="291185" y="140213"/>
             <a:ext cx="1887120" cy="1887120"/>
           </a:xfrm>
           <a:prstGeom prst="rect">
@@ -9453,7 +9675,7 @@
         </p:blipFill>
         <p:spPr>
           <a:xfrm flipH="1">
-            <a:off x="5465291" y="681878"/>
+            <a:off x="155516" y="3791803"/>
             <a:ext cx="1287650" cy="1191519"/>
           </a:xfrm>
           <a:prstGeom prst="rect">
@@ -9481,7 +9703,7 @@
         </p:blipFill>
         <p:spPr>
           <a:xfrm>
-            <a:off x="-4" y="2221202"/>
+            <a:off x="162408" y="1927802"/>
             <a:ext cx="1641774" cy="1641800"/>
           </a:xfrm>
           <a:prstGeom prst="rect">
@@ -9509,7 +9731,7 @@
         </p:blipFill>
         <p:spPr>
           <a:xfrm>
-            <a:off x="2178300" y="2307325"/>
+            <a:off x="2644775" y="2100050"/>
             <a:ext cx="1959424" cy="1469549"/>
           </a:xfrm>
           <a:prstGeom prst="rect">
@@ -9537,7 +9759,7 @@
         </p:blipFill>
         <p:spPr>
           <a:xfrm>
-            <a:off x="5052850" y="2193605"/>
+            <a:off x="6114250" y="516255"/>
             <a:ext cx="2923786" cy="2421116"/>
           </a:xfrm>
           <a:prstGeom prst="rect">
@@ -9549,6 +9771,150 @@
           </a:ln>
         </p:spPr>
       </p:pic>
+      <p:sp>
+        <p:nvSpPr>
+          <p:cNvPr id="115" name="Google Shape;115;p17"/>
+          <p:cNvSpPr txBox="1"/>
+          <p:nvPr/>
+        </p:nvSpPr>
+        <p:spPr>
+          <a:xfrm>
+            <a:off x="5638525" y="2937375"/>
+            <a:ext cx="3085200" cy="1074600"/>
+          </a:xfrm>
+          <a:prstGeom prst="rect">
+            <a:avLst/>
+          </a:prstGeom>
+          <a:noFill/>
+          <a:ln>
+            <a:noFill/>
+          </a:ln>
+        </p:spPr>
+        <p:txBody>
+          <a:bodyPr anchorCtr="0" anchor="t" bIns="91425" lIns="91425" spcFirstLastPara="1" rIns="91425" wrap="square" tIns="91425">
+            <a:noAutofit/>
+          </a:bodyPr>
+          <a:lstStyle/>
+          <a:p>
+            <a:pPr indent="0" lvl="0" marL="0">
+              <a:spcBef>
+                <a:spcPts val="0"/>
+              </a:spcBef>
+              <a:spcAft>
+                <a:spcPts val="0"/>
+              </a:spcAft>
+              <a:buNone/>
+            </a:pPr>
+            <a:r>
+              <a:rPr b="1" lang="en-IN"/>
+              <a:t>Hardware</a:t>
+            </a:r>
+            <a:r>
+              <a:rPr lang="en-IN"/>
+              <a:t>:</a:t>
+            </a:r>
+            <a:endParaRPr/>
+          </a:p>
+          <a:p>
+            <a:pPr indent="0" lvl="0" marL="0">
+              <a:spcBef>
+                <a:spcPts val="0"/>
+              </a:spcBef>
+              <a:spcAft>
+                <a:spcPts val="0"/>
+              </a:spcAft>
+              <a:buNone/>
+            </a:pPr>
+            <a:r>
+              <a:rPr lang="en-IN"/>
+              <a:t>Node MCU, Ultrasonic Sensor, Buzzer, Jumper Wires, Basic Shield, 3 IR Sensor</a:t>
+            </a:r>
+            <a:endParaRPr/>
+          </a:p>
+        </p:txBody>
+      </p:sp>
+      <p:sp>
+        <p:nvSpPr>
+          <p:cNvPr id="116" name="Google Shape;116;p17"/>
+          <p:cNvSpPr txBox="1"/>
+          <p:nvPr/>
+        </p:nvSpPr>
+        <p:spPr>
+          <a:xfrm>
+            <a:off x="5681125" y="3207913"/>
+            <a:ext cx="3000000" cy="1775400"/>
+          </a:xfrm>
+          <a:prstGeom prst="rect">
+            <a:avLst/>
+          </a:prstGeom>
+          <a:noFill/>
+          <a:ln>
+            <a:noFill/>
+          </a:ln>
+        </p:spPr>
+        <p:txBody>
+          <a:bodyPr anchorCtr="0" anchor="ctr" bIns="91425" lIns="91425" spcFirstLastPara="1" rIns="91425" wrap="square" tIns="91425">
+            <a:noAutofit/>
+          </a:bodyPr>
+          <a:lstStyle/>
+          <a:p>
+            <a:pPr indent="0" lvl="0" marL="0" rtl="0">
+              <a:spcBef>
+                <a:spcPts val="0"/>
+              </a:spcBef>
+              <a:spcAft>
+                <a:spcPts val="0"/>
+              </a:spcAft>
+              <a:buNone/>
+            </a:pPr>
+            <a:r>
+              <a:rPr b="1" lang="en-IN">
+                <a:solidFill>
+                  <a:schemeClr val="dk1"/>
+                </a:solidFill>
+              </a:rPr>
+              <a:t>Software</a:t>
+            </a:r>
+            <a:r>
+              <a:rPr lang="en-IN">
+                <a:solidFill>
+                  <a:schemeClr val="dk1"/>
+                </a:solidFill>
+              </a:rPr>
+              <a:t>:</a:t>
+            </a:r>
+            <a:endParaRPr>
+              <a:solidFill>
+                <a:schemeClr val="dk1"/>
+              </a:solidFill>
+            </a:endParaRPr>
+          </a:p>
+          <a:p>
+            <a:pPr indent="0" lvl="0" marL="0" rtl="0">
+              <a:spcBef>
+                <a:spcPts val="0"/>
+              </a:spcBef>
+              <a:spcAft>
+                <a:spcPts val="0"/>
+              </a:spcAft>
+              <a:buNone/>
+            </a:pPr>
+            <a:r>
+              <a:rPr lang="en-IN">
+                <a:solidFill>
+                  <a:schemeClr val="dk1"/>
+                </a:solidFill>
+              </a:rPr>
+              <a:t>Arduino IDE</a:t>
+            </a:r>
+            <a:endParaRPr>
+              <a:solidFill>
+                <a:schemeClr val="dk1"/>
+              </a:solidFill>
+            </a:endParaRPr>
+          </a:p>
+        </p:txBody>
+      </p:sp>
     </p:spTree>
   </p:cSld>
   <p:clrMapOvr>
@@ -9562,7 +9928,7 @@
   <p:cSld>
     <p:spTree>
       <p:nvGrpSpPr>
-        <p:cNvPr id="118" name="Shape 118"/>
+        <p:cNvPr id="120" name="Shape 120"/>
         <p:cNvGrpSpPr/>
         <p:nvPr/>
       </p:nvGrpSpPr>
@@ -9576,7 +9942,7 @@
       </p:grpSpPr>
       <p:sp>
         <p:nvSpPr>
-          <p:cNvPr id="119" name="Google Shape;119;p18"/>
+          <p:cNvPr id="121" name="Google Shape;121;p18"/>
           <p:cNvSpPr/>
           <p:nvPr/>
         </p:nvSpPr>
@@ -9617,14 +9983,14 @@
       </p:sp>
       <p:sp>
         <p:nvSpPr>
-          <p:cNvPr id="120" name="Google Shape;120;p18"/>
+          <p:cNvPr id="122" name="Google Shape;122;p18"/>
           <p:cNvSpPr/>
           <p:nvPr/>
         </p:nvSpPr>
         <p:spPr>
           <a:xfrm>
-            <a:off x="539640" y="627480"/>
-            <a:ext cx="7253640" cy="912600"/>
+            <a:off x="539650" y="627477"/>
+            <a:ext cx="7253700" cy="516300"/>
           </a:xfrm>
           <a:prstGeom prst="rect">
             <a:avLst/>
@@ -9653,16 +10019,17 @@
               <a:buNone/>
             </a:pPr>
             <a:r>
-              <a:t/>
+              <a:rPr b="1" lang="en-IN" sz="2400">
+                <a:solidFill>
+                  <a:schemeClr val="dk1"/>
+                </a:solidFill>
+              </a:rPr>
+              <a:t>Advantages</a:t>
             </a:r>
-            <a:endParaRPr b="0" i="0" sz="1800" u="none" cap="none" strike="noStrike">
+            <a:endParaRPr b="1" i="0" sz="2400" u="none" cap="none" strike="noStrike">
               <a:solidFill>
                 <a:schemeClr val="dk1"/>
               </a:solidFill>
-              <a:latin typeface="Arial"/>
-              <a:ea typeface="Arial"/>
-              <a:cs typeface="Arial"/>
-              <a:sym typeface="Arial"/>
             </a:endParaRPr>
           </a:p>
           <a:p>
@@ -9721,7 +10088,7 @@
       </p:sp>
       <p:sp>
         <p:nvSpPr>
-          <p:cNvPr id="121" name="Google Shape;121;p18"/>
+          <p:cNvPr id="123" name="Google Shape;123;p18"/>
           <p:cNvSpPr/>
           <p:nvPr/>
         </p:nvSpPr>
@@ -9729,6 +10096,612 @@
           <a:xfrm>
             <a:off x="2339640" y="0"/>
             <a:ext cx="5687640" cy="516240"/>
+          </a:xfrm>
+          <a:prstGeom prst="rect">
+            <a:avLst/>
+          </a:prstGeom>
+          <a:noFill/>
+          <a:ln>
+            <a:noFill/>
+          </a:ln>
+        </p:spPr>
+        <p:txBody>
+          <a:bodyPr anchorCtr="0" anchor="t" bIns="45000" lIns="90000" spcFirstLastPara="1" rIns="90000" wrap="square" tIns="45000">
+            <a:noAutofit/>
+          </a:bodyPr>
+          <a:lstStyle/>
+          <a:p>
+            <a:pPr indent="0" lvl="0" marL="0" marR="0" rtl="0" algn="l">
+              <a:lnSpc>
+                <a:spcPct val="100000"/>
+              </a:lnSpc>
+              <a:spcBef>
+                <a:spcPts val="0"/>
+              </a:spcBef>
+              <a:spcAft>
+                <a:spcPts val="0"/>
+              </a:spcAft>
+              <a:buNone/>
+            </a:pPr>
+            <a:r>
+              <a:rPr b="1" i="0" lang="en-IN" sz="2800" u="none" cap="none" strike="noStrike">
+                <a:solidFill>
+                  <a:srgbClr val="FFFFFF"/>
+                </a:solidFill>
+                <a:latin typeface="Ubuntu"/>
+                <a:ea typeface="Ubuntu"/>
+                <a:cs typeface="Ubuntu"/>
+                <a:sym typeface="Ubuntu"/>
+              </a:rPr>
+              <a:t>Advantages &amp; Disadvantages</a:t>
+            </a:r>
+            <a:endParaRPr b="0" i="0" sz="2800" u="none" cap="none" strike="noStrike">
+              <a:solidFill>
+                <a:schemeClr val="dk1"/>
+              </a:solidFill>
+              <a:latin typeface="Arial"/>
+              <a:ea typeface="Arial"/>
+              <a:cs typeface="Arial"/>
+              <a:sym typeface="Arial"/>
+            </a:endParaRPr>
+          </a:p>
+        </p:txBody>
+      </p:sp>
+      <p:pic>
+        <p:nvPicPr>
+          <p:cNvPr id="124" name="Google Shape;124;p18"/>
+          <p:cNvPicPr preferRelativeResize="0"/>
+          <p:nvPr/>
+        </p:nvPicPr>
+        <p:blipFill>
+          <a:blip r:embed="rId3">
+            <a:alphaModFix/>
+          </a:blip>
+          <a:stretch>
+            <a:fillRect/>
+          </a:stretch>
+        </p:blipFill>
+        <p:spPr>
+          <a:xfrm>
+            <a:off x="5360975" y="1883525"/>
+            <a:ext cx="3632251" cy="2892375"/>
+          </a:xfrm>
+          <a:prstGeom prst="rect">
+            <a:avLst/>
+          </a:prstGeom>
+          <a:noFill/>
+          <a:ln>
+            <a:noFill/>
+          </a:ln>
+        </p:spPr>
+      </p:pic>
+      <p:sp>
+        <p:nvSpPr>
+          <p:cNvPr id="125" name="Google Shape;125;p18"/>
+          <p:cNvSpPr/>
+          <p:nvPr/>
+        </p:nvSpPr>
+        <p:spPr>
+          <a:xfrm>
+            <a:off x="144875" y="1883525"/>
+            <a:ext cx="5349000" cy="2957700"/>
+          </a:xfrm>
+          <a:prstGeom prst="rect">
+            <a:avLst/>
+          </a:prstGeom>
+          <a:noFill/>
+          <a:ln>
+            <a:noFill/>
+          </a:ln>
+        </p:spPr>
+        <p:txBody>
+          <a:bodyPr anchorCtr="0" anchor="t" bIns="45000" lIns="90000" spcFirstLastPara="1" rIns="90000" wrap="square" tIns="45000">
+            <a:noAutofit/>
+          </a:bodyPr>
+          <a:lstStyle/>
+          <a:p>
+            <a:pPr indent="0" lvl="0" marL="0" marR="0" rtl="0" algn="l">
+              <a:lnSpc>
+                <a:spcPct val="100000"/>
+              </a:lnSpc>
+              <a:spcBef>
+                <a:spcPts val="0"/>
+              </a:spcBef>
+              <a:spcAft>
+                <a:spcPts val="0"/>
+              </a:spcAft>
+              <a:buNone/>
+            </a:pPr>
+            <a:r>
+              <a:t/>
+            </a:r>
+            <a:endParaRPr i="0" sz="2400" u="none" cap="none" strike="noStrike">
+              <a:solidFill>
+                <a:schemeClr val="dk1"/>
+              </a:solidFill>
+              <a:latin typeface="Times New Roman"/>
+              <a:ea typeface="Times New Roman"/>
+              <a:cs typeface="Times New Roman"/>
+              <a:sym typeface="Times New Roman"/>
+            </a:endParaRPr>
+          </a:p>
+          <a:p>
+            <a:pPr indent="-253365" lvl="0" marL="215900" marR="0" rtl="0" algn="l">
+              <a:lnSpc>
+                <a:spcPct val="100000"/>
+              </a:lnSpc>
+              <a:spcBef>
+                <a:spcPts val="0"/>
+              </a:spcBef>
+              <a:spcAft>
+                <a:spcPts val="0"/>
+              </a:spcAft>
+              <a:buClr>
+                <a:srgbClr val="000000"/>
+              </a:buClr>
+              <a:buSzPts val="2400"/>
+              <a:buFont typeface="Times New Roman"/>
+              <a:buChar char="•"/>
+            </a:pPr>
+            <a:r>
+              <a:rPr i="0" lang="en-IN" sz="2400" u="none" cap="none" strike="noStrike">
+                <a:solidFill>
+                  <a:srgbClr val="000000"/>
+                </a:solidFill>
+                <a:latin typeface="Times New Roman"/>
+                <a:ea typeface="Times New Roman"/>
+                <a:cs typeface="Times New Roman"/>
+                <a:sym typeface="Times New Roman"/>
+              </a:rPr>
+              <a:t>This will also </a:t>
+            </a:r>
+            <a:r>
+              <a:rPr b="1" i="0" lang="en-IN" sz="2400" u="none" cap="none" strike="noStrike">
+                <a:solidFill>
+                  <a:srgbClr val="000000"/>
+                </a:solidFill>
+                <a:latin typeface="Times New Roman"/>
+                <a:ea typeface="Times New Roman"/>
+                <a:cs typeface="Times New Roman"/>
+                <a:sym typeface="Times New Roman"/>
+              </a:rPr>
+              <a:t>reduce the accidents in bad environmental condition</a:t>
+            </a:r>
+            <a:r>
+              <a:rPr b="1" lang="en-IN" sz="2400">
+                <a:latin typeface="Times New Roman"/>
+                <a:ea typeface="Times New Roman"/>
+                <a:cs typeface="Times New Roman"/>
+                <a:sym typeface="Times New Roman"/>
+              </a:rPr>
+              <a:t>s like fog, smog</a:t>
+            </a:r>
+            <a:r>
+              <a:rPr lang="en-IN" sz="2400">
+                <a:latin typeface="Times New Roman"/>
+                <a:ea typeface="Times New Roman"/>
+                <a:cs typeface="Times New Roman"/>
+                <a:sym typeface="Times New Roman"/>
+              </a:rPr>
+              <a:t>.</a:t>
+            </a:r>
+            <a:endParaRPr i="0" sz="2400" u="none" cap="none" strike="noStrike">
+              <a:solidFill>
+                <a:schemeClr val="dk1"/>
+              </a:solidFill>
+              <a:latin typeface="Times New Roman"/>
+              <a:ea typeface="Times New Roman"/>
+              <a:cs typeface="Times New Roman"/>
+              <a:sym typeface="Times New Roman"/>
+            </a:endParaRPr>
+          </a:p>
+          <a:p>
+            <a:pPr indent="-253365" lvl="0" marL="215900" marR="0" rtl="0" algn="l">
+              <a:lnSpc>
+                <a:spcPct val="100000"/>
+              </a:lnSpc>
+              <a:spcBef>
+                <a:spcPts val="0"/>
+              </a:spcBef>
+              <a:spcAft>
+                <a:spcPts val="0"/>
+              </a:spcAft>
+              <a:buClr>
+                <a:srgbClr val="000000"/>
+              </a:buClr>
+              <a:buSzPts val="2400"/>
+              <a:buFont typeface="Times New Roman"/>
+              <a:buChar char="•"/>
+            </a:pPr>
+            <a:r>
+              <a:rPr b="1" i="0" lang="en-IN" sz="2400" u="none" cap="none" strike="noStrike">
+                <a:solidFill>
+                  <a:srgbClr val="000000"/>
+                </a:solidFill>
+                <a:latin typeface="Times New Roman"/>
+                <a:ea typeface="Times New Roman"/>
+                <a:cs typeface="Times New Roman"/>
+                <a:sym typeface="Times New Roman"/>
+              </a:rPr>
+              <a:t>Alerts</a:t>
+            </a:r>
+            <a:r>
+              <a:rPr i="0" lang="en-IN" sz="2400" u="none" cap="none" strike="noStrike">
+                <a:solidFill>
+                  <a:srgbClr val="000000"/>
+                </a:solidFill>
+                <a:latin typeface="Times New Roman"/>
+                <a:ea typeface="Times New Roman"/>
+                <a:cs typeface="Times New Roman"/>
+                <a:sym typeface="Times New Roman"/>
+              </a:rPr>
+              <a:t> will </a:t>
+            </a:r>
+            <a:r>
+              <a:rPr lang="en-IN" sz="2400">
+                <a:latin typeface="Times New Roman"/>
+                <a:ea typeface="Times New Roman"/>
+                <a:cs typeface="Times New Roman"/>
+                <a:sym typeface="Times New Roman"/>
+              </a:rPr>
+              <a:t>be</a:t>
+            </a:r>
+            <a:r>
+              <a:rPr i="0" lang="en-IN" sz="2400" u="none" cap="none" strike="noStrike">
+                <a:solidFill>
+                  <a:srgbClr val="000000"/>
+                </a:solidFill>
+                <a:latin typeface="Times New Roman"/>
+                <a:ea typeface="Times New Roman"/>
+                <a:cs typeface="Times New Roman"/>
+                <a:sym typeface="Times New Roman"/>
+              </a:rPr>
+              <a:t> helping  </a:t>
+            </a:r>
+            <a:r>
+              <a:rPr lang="en-IN" sz="2400">
+                <a:latin typeface="Times New Roman"/>
+                <a:ea typeface="Times New Roman"/>
+                <a:cs typeface="Times New Roman"/>
+                <a:sym typeface="Times New Roman"/>
+              </a:rPr>
+              <a:t>in </a:t>
+            </a:r>
+            <a:r>
+              <a:rPr b="1" i="0" lang="en-IN" sz="2400" u="none" cap="none" strike="noStrike">
+                <a:solidFill>
+                  <a:srgbClr val="000000"/>
+                </a:solidFill>
+                <a:latin typeface="Times New Roman"/>
+                <a:ea typeface="Times New Roman"/>
+                <a:cs typeface="Times New Roman"/>
+                <a:sym typeface="Times New Roman"/>
+              </a:rPr>
+              <a:t>gaining the drivers attention</a:t>
+            </a:r>
+            <a:r>
+              <a:rPr i="0" lang="en-IN" sz="2400" u="none" cap="none" strike="noStrike">
+                <a:solidFill>
+                  <a:srgbClr val="000000"/>
+                </a:solidFill>
+                <a:latin typeface="Times New Roman"/>
+                <a:ea typeface="Times New Roman"/>
+                <a:cs typeface="Times New Roman"/>
+                <a:sym typeface="Times New Roman"/>
+              </a:rPr>
+              <a:t> back on the road</a:t>
+            </a:r>
+            <a:endParaRPr i="0" sz="2400" u="none" cap="none" strike="noStrike">
+              <a:solidFill>
+                <a:schemeClr val="dk1"/>
+              </a:solidFill>
+              <a:latin typeface="Times New Roman"/>
+              <a:ea typeface="Times New Roman"/>
+              <a:cs typeface="Times New Roman"/>
+              <a:sym typeface="Times New Roman"/>
+            </a:endParaRPr>
+          </a:p>
+          <a:p>
+            <a:pPr indent="-253365" lvl="0" marL="215900" marR="0" rtl="0" algn="l">
+              <a:lnSpc>
+                <a:spcPct val="100000"/>
+              </a:lnSpc>
+              <a:spcBef>
+                <a:spcPts val="0"/>
+              </a:spcBef>
+              <a:spcAft>
+                <a:spcPts val="0"/>
+              </a:spcAft>
+              <a:buClr>
+                <a:srgbClr val="000000"/>
+              </a:buClr>
+              <a:buSzPts val="2400"/>
+              <a:buFont typeface="Times New Roman"/>
+              <a:buChar char="•"/>
+            </a:pPr>
+            <a:r>
+              <a:rPr i="0" lang="en-IN" sz="2400" u="none" cap="none" strike="noStrike">
+                <a:solidFill>
+                  <a:srgbClr val="000000"/>
+                </a:solidFill>
+                <a:latin typeface="Times New Roman"/>
+                <a:ea typeface="Times New Roman"/>
+                <a:cs typeface="Times New Roman"/>
+                <a:sym typeface="Times New Roman"/>
+              </a:rPr>
+              <a:t>Medical and other helps can reach the spot better</a:t>
+            </a:r>
+            <a:endParaRPr i="0" sz="2400" u="none" cap="none" strike="noStrike">
+              <a:solidFill>
+                <a:schemeClr val="dk1"/>
+              </a:solidFill>
+              <a:latin typeface="Times New Roman"/>
+              <a:ea typeface="Times New Roman"/>
+              <a:cs typeface="Times New Roman"/>
+              <a:sym typeface="Times New Roman"/>
+            </a:endParaRPr>
+          </a:p>
+        </p:txBody>
+      </p:sp>
+      <p:sp>
+        <p:nvSpPr>
+          <p:cNvPr id="126" name="Google Shape;126;p18"/>
+          <p:cNvSpPr txBox="1"/>
+          <p:nvPr/>
+        </p:nvSpPr>
+        <p:spPr>
+          <a:xfrm>
+            <a:off x="193175" y="1002100"/>
+            <a:ext cx="8307000" cy="516300"/>
+          </a:xfrm>
+          <a:prstGeom prst="rect">
+            <a:avLst/>
+          </a:prstGeom>
+          <a:noFill/>
+          <a:ln>
+            <a:noFill/>
+          </a:ln>
+        </p:spPr>
+        <p:txBody>
+          <a:bodyPr anchorCtr="0" anchor="t" bIns="91425" lIns="91425" spcFirstLastPara="1" rIns="91425" wrap="square" tIns="91425">
+            <a:noAutofit/>
+          </a:bodyPr>
+          <a:lstStyle/>
+          <a:p>
+            <a:pPr indent="-253365" lvl="0" marL="215900" rtl="0">
+              <a:spcBef>
+                <a:spcPts val="0"/>
+              </a:spcBef>
+              <a:spcAft>
+                <a:spcPts val="0"/>
+              </a:spcAft>
+              <a:buClr>
+                <a:schemeClr val="dk1"/>
+              </a:buClr>
+              <a:buSzPts val="2400"/>
+              <a:buFont typeface="Times New Roman"/>
+              <a:buChar char="•"/>
+            </a:pPr>
+            <a:r>
+              <a:rPr lang="en-IN" sz="2400">
+                <a:solidFill>
+                  <a:schemeClr val="dk1"/>
+                </a:solidFill>
+                <a:latin typeface="Times New Roman"/>
+                <a:ea typeface="Times New Roman"/>
+                <a:cs typeface="Times New Roman"/>
+                <a:sym typeface="Times New Roman"/>
+              </a:rPr>
+              <a:t>Our main motive to make this project is to reduce road accidents and </a:t>
+            </a:r>
+            <a:r>
+              <a:rPr b="1" lang="en-IN" sz="2400">
+                <a:solidFill>
+                  <a:schemeClr val="dk1"/>
+                </a:solidFill>
+                <a:latin typeface="Times New Roman"/>
+                <a:ea typeface="Times New Roman"/>
+                <a:cs typeface="Times New Roman"/>
+                <a:sym typeface="Times New Roman"/>
+              </a:rPr>
+              <a:t>save life not only the mankind but also the stray animals</a:t>
+            </a:r>
+            <a:r>
+              <a:rPr lang="en-IN" sz="2400">
+                <a:solidFill>
+                  <a:schemeClr val="dk1"/>
+                </a:solidFill>
+                <a:latin typeface="Times New Roman"/>
+                <a:ea typeface="Times New Roman"/>
+                <a:cs typeface="Times New Roman"/>
+                <a:sym typeface="Times New Roman"/>
+              </a:rPr>
+              <a:t> which accidentally come on the way.</a:t>
+            </a:r>
+            <a:endParaRPr/>
+          </a:p>
+        </p:txBody>
+      </p:sp>
+    </p:spTree>
+  </p:cSld>
+  <p:clrMapOvr>
+    <a:masterClrMapping/>
+  </p:clrMapOvr>
+</p:sld>
+</file>
+
+<file path=ppt/slides/slide6.xml><?xml version="1.0" encoding="utf-8"?>
+<p:sld xmlns:a="http://schemas.openxmlformats.org/drawingml/2006/main" xmlns:r="http://schemas.openxmlformats.org/officeDocument/2006/relationships" xmlns:mc="http://schemas.openxmlformats.org/markup-compatibility/2006" xmlns:mv="urn:schemas-microsoft-com:mac:vml" xmlns:p="http://schemas.openxmlformats.org/presentationml/2006/main" xmlns:c="http://schemas.openxmlformats.org/drawingml/2006/chart" xmlns:dgm="http://schemas.openxmlformats.org/drawingml/2006/diagram" xmlns:o="urn:schemas-microsoft-com:office:office" xmlns:v="urn:schemas-microsoft-com:vml" xmlns:pvml="urn:schemas-microsoft-com:office:powerpoint" xmlns:com="http://schemas.openxmlformats.org/drawingml/2006/compatibility" xmlns:p14="http://schemas.microsoft.com/office/powerpoint/2010/main" xmlns:p15="http://schemas.microsoft.com/office/powerpoint/2012/main">
+  <p:cSld>
+    <p:spTree>
+      <p:nvGrpSpPr>
+        <p:cNvPr id="130" name="Shape 130"/>
+        <p:cNvGrpSpPr/>
+        <p:nvPr/>
+      </p:nvGrpSpPr>
+      <p:grpSpPr>
+        <a:xfrm>
+          <a:off x="0" y="0"/>
+          <a:ext cx="0" cy="0"/>
+          <a:chOff x="0" y="0"/>
+          <a:chExt cx="0" cy="0"/>
+        </a:xfrm>
+      </p:grpSpPr>
+      <p:sp>
+        <p:nvSpPr>
+          <p:cNvPr id="131" name="Google Shape;131;p19"/>
+          <p:cNvSpPr/>
+          <p:nvPr/>
+        </p:nvSpPr>
+        <p:spPr>
+          <a:xfrm>
+            <a:off x="3029040" y="4767120"/>
+            <a:ext cx="3085200" cy="273000"/>
+          </a:xfrm>
+          <a:prstGeom prst="rect">
+            <a:avLst/>
+          </a:prstGeom>
+          <a:noFill/>
+          <a:ln>
+            <a:noFill/>
+          </a:ln>
+        </p:spPr>
+        <p:txBody>
+          <a:bodyPr anchorCtr="0" anchor="ctr" bIns="91425" lIns="91425" spcFirstLastPara="1" rIns="91425" wrap="square" tIns="91425">
+            <a:noAutofit/>
+          </a:bodyPr>
+          <a:lstStyle/>
+          <a:p>
+            <a:pPr indent="0" lvl="0" marL="0">
+              <a:spcBef>
+                <a:spcPts val="0"/>
+              </a:spcBef>
+              <a:spcAft>
+                <a:spcPts val="0"/>
+              </a:spcAft>
+              <a:buNone/>
+            </a:pPr>
+            <a:r>
+              <a:t/>
+            </a:r>
+            <a:endParaRPr/>
+          </a:p>
+        </p:txBody>
+      </p:sp>
+      <p:sp>
+        <p:nvSpPr>
+          <p:cNvPr id="132" name="Google Shape;132;p19"/>
+          <p:cNvSpPr/>
+          <p:nvPr/>
+        </p:nvSpPr>
+        <p:spPr>
+          <a:xfrm>
+            <a:off x="539640" y="627480"/>
+            <a:ext cx="7253700" cy="912600"/>
+          </a:xfrm>
+          <a:prstGeom prst="rect">
+            <a:avLst/>
+          </a:prstGeom>
+          <a:noFill/>
+          <a:ln>
+            <a:noFill/>
+          </a:ln>
+        </p:spPr>
+        <p:txBody>
+          <a:bodyPr anchorCtr="0" anchor="t" bIns="45000" lIns="90000" spcFirstLastPara="1" rIns="90000" wrap="square" tIns="45000">
+            <a:noAutofit/>
+          </a:bodyPr>
+          <a:lstStyle/>
+          <a:p>
+            <a:pPr indent="0" lvl="0" marL="0" marR="0" rtl="0" algn="l">
+              <a:lnSpc>
+                <a:spcPct val="100000"/>
+              </a:lnSpc>
+              <a:spcBef>
+                <a:spcPts val="0"/>
+              </a:spcBef>
+              <a:spcAft>
+                <a:spcPts val="0"/>
+              </a:spcAft>
+              <a:buNone/>
+            </a:pPr>
+            <a:r>
+              <a:t/>
+            </a:r>
+            <a:endParaRPr b="0" i="0" sz="1800" u="none" cap="none" strike="noStrike">
+              <a:solidFill>
+                <a:schemeClr val="dk1"/>
+              </a:solidFill>
+              <a:latin typeface="Arial"/>
+              <a:ea typeface="Arial"/>
+              <a:cs typeface="Arial"/>
+              <a:sym typeface="Arial"/>
+            </a:endParaRPr>
+          </a:p>
+          <a:p>
+            <a:pPr indent="0" lvl="0" marL="0" marR="0" rtl="0" algn="l">
+              <a:lnSpc>
+                <a:spcPct val="100000"/>
+              </a:lnSpc>
+              <a:spcBef>
+                <a:spcPts val="0"/>
+              </a:spcBef>
+              <a:spcAft>
+                <a:spcPts val="0"/>
+              </a:spcAft>
+              <a:buNone/>
+            </a:pPr>
+            <a:r>
+              <a:t/>
+            </a:r>
+            <a:endParaRPr b="0" i="0" sz="1800" u="none" cap="none" strike="noStrike">
+              <a:solidFill>
+                <a:schemeClr val="dk1"/>
+              </a:solidFill>
+              <a:latin typeface="Arial"/>
+              <a:ea typeface="Arial"/>
+              <a:cs typeface="Arial"/>
+              <a:sym typeface="Arial"/>
+            </a:endParaRPr>
+          </a:p>
+          <a:p>
+            <a:pPr indent="0" lvl="0" marL="0" marR="0" rtl="0" algn="l">
+              <a:lnSpc>
+                <a:spcPct val="100000"/>
+              </a:lnSpc>
+              <a:spcBef>
+                <a:spcPts val="0"/>
+              </a:spcBef>
+              <a:spcAft>
+                <a:spcPts val="0"/>
+              </a:spcAft>
+              <a:buNone/>
+            </a:pPr>
+            <a:r>
+              <a:t/>
+            </a:r>
+            <a:endParaRPr b="0" i="0" sz="1800" u="none" cap="none" strike="noStrike">
+              <a:solidFill>
+                <a:schemeClr val="dk1"/>
+              </a:solidFill>
+              <a:latin typeface="Arial"/>
+              <a:ea typeface="Arial"/>
+              <a:cs typeface="Arial"/>
+              <a:sym typeface="Arial"/>
+            </a:endParaRPr>
+          </a:p>
+        </p:txBody>
+      </p:sp>
+      <p:sp>
+        <p:nvSpPr>
+          <p:cNvPr id="133" name="Google Shape;133;p19"/>
+          <p:cNvSpPr/>
+          <p:nvPr/>
+        </p:nvSpPr>
+        <p:spPr>
+          <a:xfrm>
+            <a:off x="2339640" y="0"/>
+            <a:ext cx="5687700" cy="516300"/>
           </a:xfrm>
           <a:prstGeom prst="rect">
             <a:avLst/>
@@ -9782,14 +10755,14 @@
       </p:sp>
       <p:sp>
         <p:nvSpPr>
-          <p:cNvPr id="122" name="Google Shape;122;p18"/>
+          <p:cNvPr id="134" name="Google Shape;134;p19"/>
           <p:cNvSpPr/>
           <p:nvPr/>
         </p:nvSpPr>
         <p:spPr>
           <a:xfrm>
-            <a:off x="615775" y="1134100"/>
-            <a:ext cx="7522200" cy="1992900"/>
+            <a:off x="589650" y="1316050"/>
+            <a:ext cx="7964700" cy="2257800"/>
           </a:xfrm>
           <a:prstGeom prst="rect">
             <a:avLst/>
@@ -9805,7 +10778,7 @@
           </a:bodyPr>
           <a:lstStyle/>
           <a:p>
-            <a:pPr indent="-215265" lvl="0" marL="215900" marR="0" rtl="0" algn="l">
+            <a:pPr indent="-253365" lvl="0" marL="215900" marR="0" rtl="0" algn="l">
               <a:lnSpc>
                 <a:spcPct val="100000"/>
               </a:lnSpc>
@@ -9818,34 +10791,34 @@
               <a:buClr>
                 <a:srgbClr val="000000"/>
               </a:buClr>
-              <a:buSzPts val="1800"/>
-              <a:buFont typeface="Arial"/>
-              <a:buChar char="•"/>
+              <a:buSzPts val="2400"/>
+              <a:buFont typeface="Times New Roman"/>
+              <a:buChar char="❖"/>
             </a:pPr>
             <a:r>
-              <a:rPr b="0" i="0" lang="en-IN" sz="1800" u="none" cap="none" strike="noStrike">
+              <a:rPr i="0" lang="en-IN" sz="2400" u="none" cap="none" strike="noStrike">
                 <a:solidFill>
                   <a:srgbClr val="000000"/>
                 </a:solidFill>
-                <a:latin typeface="Calibri"/>
-                <a:ea typeface="Calibri"/>
-                <a:cs typeface="Calibri"/>
-                <a:sym typeface="Calibri"/>
+                <a:latin typeface="Times New Roman"/>
+                <a:ea typeface="Times New Roman"/>
+                <a:cs typeface="Times New Roman"/>
+                <a:sym typeface="Times New Roman"/>
               </a:rPr>
-              <a:t>Our main motive to make this project is to reduce road accidents and save life not only </a:t>
+              <a:t>Drivers may show negligence while driving by over relying on the sensors</a:t>
             </a:r>
-            <a:endParaRPr b="0" i="0" sz="1800" u="none" cap="none" strike="noStrike">
+            <a:endParaRPr i="0" sz="2400" u="none" cap="none" strike="noStrike">
               <a:solidFill>
                 <a:schemeClr val="dk1"/>
               </a:solidFill>
-              <a:latin typeface="Arial"/>
-              <a:ea typeface="Arial"/>
-              <a:cs typeface="Arial"/>
-              <a:sym typeface="Arial"/>
+              <a:latin typeface="Times New Roman"/>
+              <a:ea typeface="Times New Roman"/>
+              <a:cs typeface="Times New Roman"/>
+              <a:sym typeface="Times New Roman"/>
             </a:endParaRPr>
           </a:p>
           <a:p>
-            <a:pPr indent="0" lvl="0" marL="0" marR="0" rtl="0" algn="l">
+            <a:pPr indent="-253365" lvl="0" marL="215900" marR="0" rtl="0" algn="l">
               <a:lnSpc>
                 <a:spcPct val="100000"/>
               </a:lnSpc>
@@ -9855,32 +10828,67 @@
               <a:spcAft>
                 <a:spcPts val="0"/>
               </a:spcAft>
-              <a:buNone/>
+              <a:buClr>
+                <a:srgbClr val="000000"/>
+              </a:buClr>
+              <a:buSzPts val="2400"/>
+              <a:buFont typeface="Times New Roman"/>
+              <a:buChar char="❖"/>
             </a:pPr>
             <a:r>
-              <a:rPr b="0" i="0" lang="en-IN" sz="1800" u="none" cap="none" strike="noStrike">
+              <a:rPr i="0" lang="en-IN" sz="2400" u="none" cap="none" strike="noStrike">
                 <a:solidFill>
                   <a:srgbClr val="000000"/>
                 </a:solidFill>
-                <a:latin typeface="Calibri"/>
-                <a:ea typeface="Calibri"/>
-                <a:cs typeface="Calibri"/>
-                <a:sym typeface="Calibri"/>
+                <a:latin typeface="Times New Roman"/>
+                <a:ea typeface="Times New Roman"/>
+                <a:cs typeface="Times New Roman"/>
+                <a:sym typeface="Times New Roman"/>
               </a:rPr>
-              <a:t>the mankind but also the stray animals which accidentally come on the roads</a:t>
+              <a:t>Sudden </a:t>
             </a:r>
-            <a:endParaRPr b="0" i="0" sz="1800" u="none" cap="none" strike="noStrike">
+            <a:r>
+              <a:rPr lang="en-IN" sz="2400">
+                <a:latin typeface="Times New Roman"/>
+                <a:ea typeface="Times New Roman"/>
+                <a:cs typeface="Times New Roman"/>
+                <a:sym typeface="Times New Roman"/>
+              </a:rPr>
+              <a:t>b</a:t>
+            </a:r>
+            <a:r>
+              <a:rPr i="0" lang="en-IN" sz="2400" u="none" cap="none" strike="noStrike">
+                <a:solidFill>
+                  <a:srgbClr val="000000"/>
+                </a:solidFill>
+                <a:latin typeface="Times New Roman"/>
+                <a:ea typeface="Times New Roman"/>
+                <a:cs typeface="Times New Roman"/>
+                <a:sym typeface="Times New Roman"/>
+              </a:rPr>
+              <a:t>rakes may lead to internal injuries</a:t>
+            </a:r>
+            <a:r>
+              <a:rPr lang="en-IN" sz="2400">
+                <a:latin typeface="Times New Roman"/>
+                <a:ea typeface="Times New Roman"/>
+                <a:cs typeface="Times New Roman"/>
+                <a:sym typeface="Times New Roman"/>
+              </a:rPr>
+              <a:t>.</a:t>
+            </a:r>
+            <a:endParaRPr i="0" sz="2400" u="none" cap="none" strike="noStrike">
               <a:solidFill>
                 <a:schemeClr val="dk1"/>
               </a:solidFill>
-              <a:latin typeface="Arial"/>
-              <a:ea typeface="Arial"/>
-              <a:cs typeface="Arial"/>
-              <a:sym typeface="Arial"/>
+              <a:latin typeface="Times New Roman"/>
+              <a:ea typeface="Times New Roman"/>
+              <a:cs typeface="Times New Roman"/>
+              <a:sym typeface="Times New Roman"/>
             </a:endParaRPr>
           </a:p>
           <a:p>
-            <a:pPr indent="-215265" lvl="0" marL="215900" marR="0" rtl="0" algn="l">
+            <a:pPr indent="-253365" lvl="0" marL="215900" marR="0" rtl="0" algn="l">
               <a:lnSpc>
                 <a:spcPct val="100000"/>
               </a:lnSpc>
@@ -9893,164 +10901,44 @@
               <a:buClr>
                 <a:srgbClr val="000000"/>
               </a:buClr>
-              <a:buSzPts val="1800"/>
-              <a:buFont typeface="Arial"/>
-              <a:buChar char="•"/>
+              <a:buSzPts val="2400"/>
+              <a:buFont typeface="Times New Roman"/>
+              <a:buChar char="❖"/>
             </a:pPr>
             <a:r>
-              <a:rPr b="0" i="0" lang="en-IN" sz="1800" u="none" cap="none" strike="noStrike">
+              <a:rPr i="0" lang="en-IN" sz="2400" u="none" cap="none" strike="noStrike">
                 <a:solidFill>
                   <a:srgbClr val="000000"/>
                 </a:solidFill>
-                <a:latin typeface="Calibri"/>
-                <a:ea typeface="Calibri"/>
-                <a:cs typeface="Calibri"/>
-                <a:sym typeface="Calibri"/>
+                <a:latin typeface="Times New Roman"/>
+                <a:ea typeface="Times New Roman"/>
+                <a:cs typeface="Times New Roman"/>
+                <a:sym typeface="Times New Roman"/>
               </a:rPr>
-              <a:t>This will help us in increasing road safety </a:t>
+              <a:t>Failure of sensors may lead to accidents</a:t>
             </a:r>
-            <a:endParaRPr b="0" i="0" sz="1800" u="none" cap="none" strike="noStrike">
+            <a:endParaRPr i="0" sz="2400" u="none" cap="none" strike="noStrike">
               <a:solidFill>
                 <a:schemeClr val="dk1"/>
               </a:solidFill>
-              <a:latin typeface="Arial"/>
-              <a:ea typeface="Arial"/>
-              <a:cs typeface="Arial"/>
-              <a:sym typeface="Arial"/>
-            </a:endParaRPr>
-          </a:p>
-          <a:p>
-            <a:pPr indent="-215265" lvl="0" marL="215900" marR="0" rtl="0" algn="l">
-              <a:lnSpc>
-                <a:spcPct val="100000"/>
-              </a:lnSpc>
-              <a:spcBef>
-                <a:spcPts val="0"/>
-              </a:spcBef>
-              <a:spcAft>
-                <a:spcPts val="0"/>
-              </a:spcAft>
-              <a:buClr>
-                <a:srgbClr val="000000"/>
-              </a:buClr>
-              <a:buSzPts val="1800"/>
-              <a:buFont typeface="Arial"/>
-              <a:buChar char="•"/>
-            </a:pPr>
-            <a:r>
-              <a:rPr b="0" i="0" lang="en-IN" sz="1800" u="none" cap="none" strike="noStrike">
-                <a:solidFill>
-                  <a:srgbClr val="000000"/>
-                </a:solidFill>
-                <a:latin typeface="Calibri"/>
-                <a:ea typeface="Calibri"/>
-                <a:cs typeface="Calibri"/>
-                <a:sym typeface="Calibri"/>
-              </a:rPr>
-              <a:t>This will also reduce the accidents in bad environmental conditions</a:t>
-            </a:r>
-            <a:endParaRPr b="0" i="0" sz="1800" u="none" cap="none" strike="noStrike">
-              <a:solidFill>
-                <a:schemeClr val="dk1"/>
-              </a:solidFill>
-              <a:latin typeface="Arial"/>
-              <a:ea typeface="Arial"/>
-              <a:cs typeface="Arial"/>
-              <a:sym typeface="Arial"/>
-            </a:endParaRPr>
-          </a:p>
-          <a:p>
-            <a:pPr indent="-215265" lvl="0" marL="215900" marR="0" rtl="0" algn="l">
-              <a:lnSpc>
-                <a:spcPct val="100000"/>
-              </a:lnSpc>
-              <a:spcBef>
-                <a:spcPts val="0"/>
-              </a:spcBef>
-              <a:spcAft>
-                <a:spcPts val="0"/>
-              </a:spcAft>
-              <a:buClr>
-                <a:srgbClr val="000000"/>
-              </a:buClr>
-              <a:buSzPts val="1800"/>
-              <a:buFont typeface="Arial"/>
-              <a:buChar char="•"/>
-            </a:pPr>
-            <a:r>
-              <a:rPr b="0" i="0" lang="en-IN" sz="1800" u="none" cap="none" strike="noStrike">
-                <a:solidFill>
-                  <a:srgbClr val="000000"/>
-                </a:solidFill>
-                <a:latin typeface="Calibri"/>
-                <a:ea typeface="Calibri"/>
-                <a:cs typeface="Calibri"/>
-                <a:sym typeface="Calibri"/>
-              </a:rPr>
-              <a:t>Alerts will also helping gaining the drivers attention back on the road</a:t>
-            </a:r>
-            <a:endParaRPr b="0" i="0" sz="1800" u="none" cap="none" strike="noStrike">
-              <a:solidFill>
-                <a:schemeClr val="dk1"/>
-              </a:solidFill>
-              <a:latin typeface="Arial"/>
-              <a:ea typeface="Arial"/>
-              <a:cs typeface="Arial"/>
-              <a:sym typeface="Arial"/>
-            </a:endParaRPr>
-          </a:p>
-          <a:p>
-            <a:pPr indent="-215265" lvl="0" marL="215900" marR="0" rtl="0" algn="l">
-              <a:lnSpc>
-                <a:spcPct val="100000"/>
-              </a:lnSpc>
-              <a:spcBef>
-                <a:spcPts val="0"/>
-              </a:spcBef>
-              <a:spcAft>
-                <a:spcPts val="0"/>
-              </a:spcAft>
-              <a:buClr>
-                <a:srgbClr val="000000"/>
-              </a:buClr>
-              <a:buSzPts val="1800"/>
-              <a:buFont typeface="Arial"/>
-              <a:buChar char="•"/>
-            </a:pPr>
-            <a:r>
-              <a:rPr b="0" i="0" lang="en-IN" sz="1800" u="none" cap="none" strike="noStrike">
-                <a:solidFill>
-                  <a:srgbClr val="000000"/>
-                </a:solidFill>
-                <a:latin typeface="Calibri"/>
-                <a:ea typeface="Calibri"/>
-                <a:cs typeface="Calibri"/>
-                <a:sym typeface="Calibri"/>
-              </a:rPr>
-              <a:t>Medical and other helps can reach the spot better</a:t>
-            </a:r>
-            <a:endParaRPr b="0" i="0" sz="1800" u="none" cap="none" strike="noStrike">
-              <a:solidFill>
-                <a:schemeClr val="dk1"/>
-              </a:solidFill>
-              <a:latin typeface="Arial"/>
-              <a:ea typeface="Arial"/>
-              <a:cs typeface="Arial"/>
-              <a:sym typeface="Arial"/>
+              <a:latin typeface="Times New Roman"/>
+              <a:ea typeface="Times New Roman"/>
+              <a:cs typeface="Times New Roman"/>
+              <a:sym typeface="Times New Roman"/>
             </a:endParaRPr>
           </a:p>
         </p:txBody>
       </p:sp>
       <p:sp>
         <p:nvSpPr>
-          <p:cNvPr id="123" name="Google Shape;123;p18"/>
+          <p:cNvPr id="135" name="Google Shape;135;p19"/>
           <p:cNvSpPr/>
           <p:nvPr/>
         </p:nvSpPr>
         <p:spPr>
           <a:xfrm>
-            <a:off x="841499" y="3410363"/>
-            <a:ext cx="7964700" cy="912600"/>
+            <a:off x="539640" y="627480"/>
+            <a:ext cx="7253700" cy="912600"/>
           </a:xfrm>
           <a:prstGeom prst="rect">
             <a:avLst/>
@@ -10066,7 +10954,7 @@
           </a:bodyPr>
           <a:lstStyle/>
           <a:p>
-            <a:pPr indent="-215265" lvl="0" marL="215900" marR="0" rtl="0" algn="l">
+            <a:pPr indent="0" lvl="0" marL="0" marR="0" rtl="0" algn="l">
               <a:lnSpc>
                 <a:spcPct val="100000"/>
               </a:lnSpc>
@@ -10076,26 +10964,189 @@
               <a:spcAft>
                 <a:spcPts val="0"/>
               </a:spcAft>
-              <a:buClr>
-                <a:srgbClr val="000000"/>
-              </a:buClr>
-              <a:buSzPts val="1800"/>
-              <a:buFont typeface="Noto Sans Symbols"/>
-              <a:buChar char="❖"/>
+              <a:buNone/>
             </a:pPr>
             <a:r>
-              <a:rPr b="0" i="0" lang="en-IN" sz="1800" u="none" cap="none" strike="noStrike">
+              <a:rPr b="1" lang="en-IN" sz="2400">
                 <a:solidFill>
-                  <a:srgbClr val="000000"/>
+                  <a:schemeClr val="dk1"/>
                 </a:solidFill>
-                <a:latin typeface="Calibri"/>
-                <a:ea typeface="Calibri"/>
-                <a:cs typeface="Calibri"/>
-                <a:sym typeface="Calibri"/>
+                <a:latin typeface="Times New Roman"/>
+                <a:ea typeface="Times New Roman"/>
+                <a:cs typeface="Times New Roman"/>
+                <a:sym typeface="Times New Roman"/>
               </a:rPr>
-              <a:t>Drivers may show negligence while driving by over reeling on the sensors</a:t>
+              <a:t>Disa</a:t>
             </a:r>
-            <a:endParaRPr b="0" i="0" sz="1800" u="none" cap="none" strike="noStrike">
+            <a:r>
+              <a:rPr b="1" lang="en-IN" sz="2400">
+                <a:solidFill>
+                  <a:schemeClr val="dk1"/>
+                </a:solidFill>
+                <a:latin typeface="Times New Roman"/>
+                <a:ea typeface="Times New Roman"/>
+                <a:cs typeface="Times New Roman"/>
+                <a:sym typeface="Times New Roman"/>
+              </a:rPr>
+              <a:t>dvantages</a:t>
+            </a:r>
+            <a:endParaRPr b="1" i="0" sz="2400" u="none" cap="none" strike="noStrike">
+              <a:solidFill>
+                <a:schemeClr val="dk1"/>
+              </a:solidFill>
+              <a:latin typeface="Times New Roman"/>
+              <a:ea typeface="Times New Roman"/>
+              <a:cs typeface="Times New Roman"/>
+              <a:sym typeface="Times New Roman"/>
+            </a:endParaRPr>
+          </a:p>
+          <a:p>
+            <a:pPr indent="0" lvl="0" marL="0" marR="0" rtl="0" algn="l">
+              <a:lnSpc>
+                <a:spcPct val="100000"/>
+              </a:lnSpc>
+              <a:spcBef>
+                <a:spcPts val="0"/>
+              </a:spcBef>
+              <a:spcAft>
+                <a:spcPts val="0"/>
+              </a:spcAft>
+              <a:buNone/>
+            </a:pPr>
+            <a:r>
+              <a:t/>
+            </a:r>
+            <a:endParaRPr i="0" sz="2400" u="none" cap="none" strike="noStrike">
+              <a:solidFill>
+                <a:schemeClr val="dk1"/>
+              </a:solidFill>
+              <a:latin typeface="Times New Roman"/>
+              <a:ea typeface="Times New Roman"/>
+              <a:cs typeface="Times New Roman"/>
+              <a:sym typeface="Times New Roman"/>
+            </a:endParaRPr>
+          </a:p>
+          <a:p>
+            <a:pPr indent="0" lvl="0" marL="0" marR="0" rtl="0" algn="l">
+              <a:lnSpc>
+                <a:spcPct val="100000"/>
+              </a:lnSpc>
+              <a:spcBef>
+                <a:spcPts val="0"/>
+              </a:spcBef>
+              <a:spcAft>
+                <a:spcPts val="0"/>
+              </a:spcAft>
+              <a:buNone/>
+            </a:pPr>
+            <a:r>
+              <a:t/>
+            </a:r>
+            <a:endParaRPr i="0" sz="2400" u="none" cap="none" strike="noStrike">
+              <a:solidFill>
+                <a:schemeClr val="dk1"/>
+              </a:solidFill>
+              <a:latin typeface="Times New Roman"/>
+              <a:ea typeface="Times New Roman"/>
+              <a:cs typeface="Times New Roman"/>
+              <a:sym typeface="Times New Roman"/>
+            </a:endParaRPr>
+          </a:p>
+        </p:txBody>
+      </p:sp>
+    </p:spTree>
+  </p:cSld>
+  <p:clrMapOvr>
+    <a:masterClrMapping/>
+  </p:clrMapOvr>
+</p:sld>
+</file>
+
+<file path=ppt/slides/slide7.xml><?xml version="1.0" encoding="utf-8"?>
+<p:sld xmlns:a="http://schemas.openxmlformats.org/drawingml/2006/main" xmlns:r="http://schemas.openxmlformats.org/officeDocument/2006/relationships" xmlns:mc="http://schemas.openxmlformats.org/markup-compatibility/2006" xmlns:mv="urn:schemas-microsoft-com:mac:vml" xmlns:p="http://schemas.openxmlformats.org/presentationml/2006/main" xmlns:c="http://schemas.openxmlformats.org/drawingml/2006/chart" xmlns:dgm="http://schemas.openxmlformats.org/drawingml/2006/diagram" xmlns:o="urn:schemas-microsoft-com:office:office" xmlns:v="urn:schemas-microsoft-com:vml" xmlns:pvml="urn:schemas-microsoft-com:office:powerpoint" xmlns:com="http://schemas.openxmlformats.org/drawingml/2006/compatibility" xmlns:p14="http://schemas.microsoft.com/office/powerpoint/2010/main" xmlns:p15="http://schemas.microsoft.com/office/powerpoint/2012/main">
+  <p:cSld>
+    <p:spTree>
+      <p:nvGrpSpPr>
+        <p:cNvPr id="139" name="Shape 139"/>
+        <p:cNvGrpSpPr/>
+        <p:nvPr/>
+      </p:nvGrpSpPr>
+      <p:grpSpPr>
+        <a:xfrm>
+          <a:off x="0" y="0"/>
+          <a:ext cx="0" cy="0"/>
+          <a:chOff x="0" y="0"/>
+          <a:chExt cx="0" cy="0"/>
+        </a:xfrm>
+      </p:grpSpPr>
+      <p:pic>
+        <p:nvPicPr>
+          <p:cNvPr id="140" name="Google Shape;140;p20"/>
+          <p:cNvPicPr preferRelativeResize="0"/>
+          <p:nvPr/>
+        </p:nvPicPr>
+        <p:blipFill rotWithShape="1">
+          <a:blip r:embed="rId3">
+            <a:alphaModFix/>
+          </a:blip>
+          <a:srcRect b="0" l="0" r="0" t="0"/>
+          <a:stretch/>
+        </p:blipFill>
+        <p:spPr>
+          <a:xfrm>
+            <a:off x="0" y="23040"/>
+            <a:ext cx="9142920" cy="5119560"/>
+          </a:xfrm>
+          <a:prstGeom prst="rect">
+            <a:avLst/>
+          </a:prstGeom>
+          <a:noFill/>
+          <a:ln>
+            <a:noFill/>
+          </a:ln>
+        </p:spPr>
+      </p:pic>
+      <p:sp>
+        <p:nvSpPr>
+          <p:cNvPr id="141" name="Google Shape;141;p20"/>
+          <p:cNvSpPr/>
+          <p:nvPr/>
+        </p:nvSpPr>
+        <p:spPr>
+          <a:xfrm>
+            <a:off x="350150" y="374425"/>
+            <a:ext cx="8596500" cy="1207200"/>
+          </a:xfrm>
+          <a:prstGeom prst="rect">
+            <a:avLst/>
+          </a:prstGeom>
+          <a:noFill/>
+          <a:ln>
+            <a:noFill/>
+          </a:ln>
+        </p:spPr>
+        <p:txBody>
+          <a:bodyPr anchorCtr="0" anchor="t" bIns="45000" lIns="90000" spcFirstLastPara="1" rIns="90000" wrap="square" tIns="45000">
+            <a:noAutofit/>
+          </a:bodyPr>
+          <a:lstStyle/>
+          <a:p>
+            <a:pPr indent="0" lvl="0" marL="0" marR="0" rtl="0" algn="ctr">
+              <a:lnSpc>
+                <a:spcPct val="100000"/>
+              </a:lnSpc>
+              <a:spcBef>
+                <a:spcPts val="0"/>
+              </a:spcBef>
+              <a:spcAft>
+                <a:spcPts val="0"/>
+              </a:spcAft>
+              <a:buNone/>
+            </a:pPr>
+            <a:r>
+              <a:t/>
+            </a:r>
+            <a:endParaRPr b="0" i="0" sz="5400" u="none" cap="none" strike="noStrike">
               <a:solidFill>
                 <a:schemeClr val="dk1"/>
               </a:solidFill>
@@ -10105,8 +11156,148 @@
               <a:sym typeface="Arial"/>
             </a:endParaRPr>
           </a:p>
+        </p:txBody>
+      </p:sp>
+      <p:pic>
+        <p:nvPicPr>
+          <p:cNvPr id="142" name="Google Shape;142;p20"/>
+          <p:cNvPicPr preferRelativeResize="0"/>
+          <p:nvPr/>
+        </p:nvPicPr>
+        <p:blipFill rotWithShape="1">
+          <a:blip r:embed="rId4">
+            <a:alphaModFix/>
+          </a:blip>
+          <a:srcRect b="0" l="0" r="0" t="0"/>
+          <a:stretch/>
+        </p:blipFill>
+        <p:spPr>
+          <a:xfrm>
+            <a:off x="3962520" y="3943440"/>
+            <a:ext cx="4427279" cy="740880"/>
+          </a:xfrm>
+          <a:prstGeom prst="rect">
+            <a:avLst/>
+          </a:prstGeom>
+          <a:noFill/>
+          <a:ln>
+            <a:noFill/>
+          </a:ln>
+        </p:spPr>
+      </p:pic>
+      <p:sp>
+        <p:nvSpPr>
+          <p:cNvPr id="143" name="Google Shape;143;p20"/>
+          <p:cNvSpPr/>
+          <p:nvPr/>
+        </p:nvSpPr>
+        <p:spPr>
+          <a:xfrm>
+            <a:off x="1828800" y="2343240"/>
+            <a:ext cx="4799400" cy="583500"/>
+          </a:xfrm>
+          <a:prstGeom prst="rect">
+            <a:avLst/>
+          </a:prstGeom>
+          <a:noFill/>
+          <a:ln>
+            <a:noFill/>
+          </a:ln>
+        </p:spPr>
+        <p:txBody>
+          <a:bodyPr anchorCtr="0" anchor="ctr" bIns="91425" lIns="91425" spcFirstLastPara="1" rIns="91425" wrap="square" tIns="91425">
+            <a:noAutofit/>
+          </a:bodyPr>
+          <a:lstStyle/>
           <a:p>
-            <a:pPr indent="-215265" lvl="0" marL="215900" marR="0" rtl="0" algn="l">
+            <a:pPr indent="0" lvl="0" marL="0">
+              <a:spcBef>
+                <a:spcPts val="0"/>
+              </a:spcBef>
+              <a:spcAft>
+                <a:spcPts val="0"/>
+              </a:spcAft>
+              <a:buNone/>
+            </a:pPr>
+            <a:r>
+              <a:t/>
+            </a:r>
+            <a:endParaRPr/>
+          </a:p>
+        </p:txBody>
+      </p:sp>
+      <p:sp>
+        <p:nvSpPr>
+          <p:cNvPr id="144" name="Google Shape;144;p20"/>
+          <p:cNvSpPr txBox="1"/>
+          <p:nvPr/>
+        </p:nvSpPr>
+        <p:spPr>
+          <a:xfrm>
+            <a:off x="0" y="3742925"/>
+            <a:ext cx="3152400" cy="1400700"/>
+          </a:xfrm>
+          <a:prstGeom prst="rect">
+            <a:avLst/>
+          </a:prstGeom>
+          <a:noFill/>
+          <a:ln>
+            <a:noFill/>
+          </a:ln>
+        </p:spPr>
+        <p:txBody>
+          <a:bodyPr anchorCtr="0" anchor="ctr" bIns="91425" lIns="91425" spcFirstLastPara="1" rIns="91425" wrap="square" tIns="91425">
+            <a:noAutofit/>
+          </a:bodyPr>
+          <a:lstStyle/>
+          <a:p>
+            <a:pPr indent="0" lvl="0" marL="0" rtl="0" algn="ctr">
+              <a:spcBef>
+                <a:spcPts val="0"/>
+              </a:spcBef>
+              <a:spcAft>
+                <a:spcPts val="0"/>
+              </a:spcAft>
+              <a:buNone/>
+            </a:pPr>
+            <a:r>
+              <a:t/>
+            </a:r>
+            <a:endParaRPr>
+              <a:latin typeface="Times New Roman"/>
+              <a:ea typeface="Times New Roman"/>
+              <a:cs typeface="Times New Roman"/>
+              <a:sym typeface="Times New Roman"/>
+            </a:endParaRPr>
+          </a:p>
+        </p:txBody>
+      </p:sp>
+      <p:sp>
+        <p:nvSpPr>
+          <p:cNvPr id="145" name="Google Shape;145;p20"/>
+          <p:cNvSpPr/>
+          <p:nvPr/>
+        </p:nvSpPr>
+        <p:spPr>
+          <a:xfrm>
+            <a:off x="1617800" y="743650"/>
+            <a:ext cx="6061200" cy="2238600"/>
+          </a:xfrm>
+          <a:prstGeom prst="rect">
+            <a:avLst/>
+          </a:prstGeom>
+          <a:noFill/>
+          <a:ln>
+            <a:noFill/>
+          </a:ln>
+        </p:spPr>
+        <p:txBody>
+          <a:bodyPr anchorCtr="0" anchor="ctr" bIns="45000" lIns="90000" spcFirstLastPara="1" rIns="90000" wrap="square" tIns="45000">
+            <a:noAutofit/>
+          </a:bodyPr>
+          <a:lstStyle/>
+          <a:p>
+            <a:pPr indent="0" lvl="0" marL="0" marR="0" rtl="0" algn="ctr">
               <a:lnSpc>
                 <a:spcPct val="100000"/>
               </a:lnSpc>
@@ -10116,73 +11307,40 @@
               <a:spcAft>
                 <a:spcPts val="0"/>
               </a:spcAft>
-              <a:buClr>
-                <a:srgbClr val="000000"/>
-              </a:buClr>
-              <a:buSzPts val="1800"/>
-              <a:buFont typeface="Noto Sans Symbols"/>
-              <a:buChar char="❖"/>
+              <a:buNone/>
             </a:pPr>
             <a:r>
-              <a:rPr b="0" i="0" lang="en-IN" sz="1800" u="none" cap="none" strike="noStrike">
+              <a:rPr b="1" i="0" lang="en-IN" sz="4000" u="none" cap="none" strike="noStrike">
                 <a:solidFill>
-                  <a:srgbClr val="000000"/>
+                  <a:srgbClr val="FFFFFF"/>
                 </a:solidFill>
-                <a:latin typeface="Calibri"/>
-                <a:ea typeface="Calibri"/>
-                <a:cs typeface="Calibri"/>
-                <a:sym typeface="Calibri"/>
+                <a:latin typeface="Corsiva"/>
+                <a:ea typeface="Corsiva"/>
+                <a:cs typeface="Corsiva"/>
+                <a:sym typeface="Corsiva"/>
               </a:rPr>
-              <a:t>Sudden Brakes may lead to internal injuries</a:t>
+              <a:t>DCoders a</a:t>
             </a:r>
-            <a:endParaRPr b="0" i="0" sz="1800" u="none" cap="none" strike="noStrike">
+            <a:r>
+              <a:rPr b="1" lang="en-IN" sz="4000">
+                <a:solidFill>
+                  <a:srgbClr val="FFFFFF"/>
+                </a:solidFill>
+                <a:latin typeface="Corsiva"/>
+                <a:ea typeface="Corsiva"/>
+                <a:cs typeface="Corsiva"/>
+                <a:sym typeface="Corsiva"/>
+              </a:rPr>
+              <a:t>re thankful for your valuable time</a:t>
+            </a:r>
+            <a:endParaRPr b="1" i="0" sz="4000" u="none" cap="none" strike="noStrike">
               <a:solidFill>
-                <a:schemeClr val="dk1"/>
+                <a:srgbClr val="FFFFFF"/>
               </a:solidFill>
-              <a:latin typeface="Arial"/>
-              <a:ea typeface="Arial"/>
-              <a:cs typeface="Arial"/>
-              <a:sym typeface="Arial"/>
-            </a:endParaRPr>
-          </a:p>
-          <a:p>
-            <a:pPr indent="-215265" lvl="0" marL="215900" marR="0" rtl="0" algn="l">
-              <a:lnSpc>
-                <a:spcPct val="100000"/>
-              </a:lnSpc>
-              <a:spcBef>
-                <a:spcPts val="0"/>
-              </a:spcBef>
-              <a:spcAft>
-                <a:spcPts val="0"/>
-              </a:spcAft>
-              <a:buClr>
-                <a:srgbClr val="000000"/>
-              </a:buClr>
-              <a:buSzPts val="1800"/>
-              <a:buFont typeface="Noto Sans Symbols"/>
-              <a:buChar char="❖"/>
-            </a:pPr>
-            <a:r>
-              <a:rPr b="0" i="0" lang="en-IN" sz="1800" u="none" cap="none" strike="noStrike">
-                <a:solidFill>
-                  <a:srgbClr val="000000"/>
-                </a:solidFill>
-                <a:latin typeface="Calibri"/>
-                <a:ea typeface="Calibri"/>
-                <a:cs typeface="Calibri"/>
-                <a:sym typeface="Calibri"/>
-              </a:rPr>
-              <a:t>Failure of sensors may lead to accidents</a:t>
-            </a:r>
-            <a:endParaRPr b="0" i="0" sz="1800" u="none" cap="none" strike="noStrike">
-              <a:solidFill>
-                <a:schemeClr val="dk1"/>
-              </a:solidFill>
-              <a:latin typeface="Arial"/>
-              <a:ea typeface="Arial"/>
-              <a:cs typeface="Arial"/>
-              <a:sym typeface="Arial"/>
+              <a:latin typeface="Corsiva"/>
+              <a:ea typeface="Corsiva"/>
+              <a:cs typeface="Corsiva"/>
+              <a:sym typeface="Corsiva"/>
             </a:endParaRPr>
           </a:p>
         </p:txBody>
@@ -10196,6 +11354,285 @@
 </file>
 
 <file path=ppt/theme/theme1.xml><?xml version="1.0" encoding="utf-8"?>
+<a:theme xmlns:a="http://schemas.openxmlformats.org/drawingml/2006/main" xmlns:r="http://schemas.openxmlformats.org/officeDocument/2006/relationships">
+  <a:themeElements>
+    <a:clrScheme name="Default">
+      <a:dk1>
+        <a:srgbClr val="000000"/>
+      </a:dk1>
+      <a:lt1>
+        <a:srgbClr val="FFFFFF"/>
+      </a:lt1>
+      <a:dk2>
+        <a:srgbClr val="158158"/>
+      </a:dk2>
+      <a:lt2>
+        <a:srgbClr val="F3F3F3"/>
+      </a:lt2>
+      <a:accent1>
+        <a:srgbClr val="058DC7"/>
+      </a:accent1>
+      <a:accent2>
+        <a:srgbClr val="50B432"/>
+      </a:accent2>
+      <a:accent3>
+        <a:srgbClr val="ED561B"/>
+      </a:accent3>
+      <a:accent4>
+        <a:srgbClr val="EDEF00"/>
+      </a:accent4>
+      <a:accent5>
+        <a:srgbClr val="24CBE5"/>
+      </a:accent5>
+      <a:accent6>
+        <a:srgbClr val="64E572"/>
+      </a:accent6>
+      <a:hlink>
+        <a:srgbClr val="2200CC"/>
+      </a:hlink>
+      <a:folHlink>
+        <a:srgbClr val="551A8B"/>
+      </a:folHlink>
+    </a:clrScheme>
+    <a:fontScheme name="Office">
+      <a:majorFont>
+        <a:latin typeface="Arial"/>
+        <a:ea typeface=""/>
+        <a:cs typeface=""/>
+        <a:font script="Jpan" typeface="ＭＳ Ｐゴシック"/>
+        <a:font script="Hang" typeface="맑은 고딕"/>
+        <a:font script="Hans" typeface="宋体"/>
+        <a:font script="Hant" typeface="新細明體"/>
+        <a:font script="Arab" typeface="Times New Roman"/>
+        <a:font script="Hebr" typeface="Times New Roman"/>
+        <a:font script="Thai" typeface="Angsana New"/>
+        <a:font script="Ethi" typeface="Nyala"/>
+        <a:font script="Beng" typeface="Vrinda"/>
+        <a:font script="Gujr" typeface="Shruti"/>
+        <a:font script="Khmr" typeface="MoolBoran"/>
+        <a:font script="Knda" typeface="Tunga"/>
+        <a:font script="Guru" typeface="Raavi"/>
+        <a:font script="Cans" typeface="Euphemia"/>
+        <a:font script="Cher" typeface="Plantagenet Cherokee"/>
+        <a:font script="Yiii" typeface="Microsoft Yi Baiti"/>
+        <a:font script="Tibt" typeface="Microsoft Himalaya"/>
+        <a:font script="Thaa" typeface="MV Boli"/>
+        <a:font script="Deva" typeface="Mangal"/>
+        <a:font script="Telu" typeface="Gautami"/>
+        <a:font script="Taml" typeface="Latha"/>
+        <a:font script="Syrc" typeface="Estrangelo Edessa"/>
+        <a:font script="Orya" typeface="Kalinga"/>
+        <a:font script="Mlym" typeface="Kartika"/>
+        <a:font script="Laoo" typeface="DokChampa"/>
+        <a:font script="Sinh" typeface="Iskoola Pota"/>
+        <a:font script="Mong" typeface="Mongolian Baiti"/>
+        <a:font script="Viet" typeface="Times New Roman"/>
+        <a:font script="Uigh" typeface="Microsoft Uighur"/>
+        <a:font script="Geor" typeface="Sylfaen"/>
+      </a:majorFont>
+      <a:minorFont>
+        <a:latin typeface="Arial"/>
+        <a:ea typeface=""/>
+        <a:cs typeface=""/>
+        <a:font script="Jpan" typeface="ＭＳ Ｐゴシック"/>
+        <a:font script="Hang" typeface="맑은 고딕"/>
+        <a:font script="Hans" typeface="宋体"/>
+        <a:font script="Hant" typeface="新細明體"/>
+        <a:font script="Arab" typeface="Arial"/>
+        <a:font script="Hebr" typeface="Arial"/>
+        <a:font script="Thai" typeface="Cordia New"/>
+        <a:font script="Ethi" typeface="Nyala"/>
+        <a:font script="Beng" typeface="Vrinda"/>
+        <a:font script="Gujr" typeface="Shruti"/>
+        <a:font script="Khmr" typeface="DaunPenh"/>
+        <a:font script="Knda" typeface="Tunga"/>
+        <a:font script="Guru" typeface="Raavi"/>
+        <a:font script="Cans" typeface="Euphemia"/>
+        <a:font script="Cher" typeface="Plantagenet Cherokee"/>
+        <a:font script="Yiii" typeface="Microsoft Yi Baiti"/>
+        <a:font script="Tibt" typeface="Microsoft Himalaya"/>
+        <a:font script="Thaa" typeface="MV Boli"/>
+        <a:font script="Deva" typeface="Mangal"/>
+        <a:font script="Telu" typeface="Gautami"/>
+        <a:font script="Taml" typeface="Latha"/>
+        <a:font script="Syrc" typeface="Estrangelo Edessa"/>
+        <a:font script="Orya" typeface="Kalinga"/>
+        <a:font script="Mlym" typeface="Kartika"/>
+        <a:font script="Laoo" typeface="DokChampa"/>
+        <a:font script="Sinh" typeface="Iskoola Pota"/>
+        <a:font script="Mong" typeface="Mongolian Baiti"/>
+        <a:font script="Viet" typeface="Arial"/>
+        <a:font script="Uigh" typeface="Microsoft Uighur"/>
+        <a:font script="Geor" typeface="Sylfaen"/>
+      </a:minorFont>
+    </a:fontScheme>
+    <a:fmtScheme name="Office">
+      <a:fillStyleLst>
+        <a:solidFill>
+          <a:schemeClr val="phClr"/>
+        </a:solidFill>
+        <a:gradFill rotWithShape="1">
+          <a:gsLst>
+            <a:gs pos="0">
+              <a:schemeClr val="phClr">
+                <a:tint val="50000"/>
+                <a:satMod val="300000"/>
+              </a:schemeClr>
+            </a:gs>
+            <a:gs pos="35000">
+              <a:schemeClr val="phClr">
+                <a:tint val="37000"/>
+                <a:satMod val="300000"/>
+              </a:schemeClr>
+            </a:gs>
+            <a:gs pos="100000">
+              <a:schemeClr val="phClr">
+                <a:tint val="15000"/>
+                <a:satMod val="350000"/>
+              </a:schemeClr>
+            </a:gs>
+          </a:gsLst>
+          <a:lin ang="16200000" scaled="1"/>
+        </a:gradFill>
+        <a:gradFill rotWithShape="1">
+          <a:gsLst>
+            <a:gs pos="0">
+              <a:schemeClr val="phClr">
+                <a:tint val="100000"/>
+                <a:shade val="100000"/>
+                <a:satMod val="130000"/>
+              </a:schemeClr>
+            </a:gs>
+            <a:gs pos="100000">
+              <a:schemeClr val="phClr">
+                <a:tint val="50000"/>
+                <a:shade val="100000"/>
+                <a:satMod val="350000"/>
+              </a:schemeClr>
+            </a:gs>
+          </a:gsLst>
+          <a:lin ang="16200000" scaled="0"/>
+        </a:gradFill>
+      </a:fillStyleLst>
+      <a:lnStyleLst>
+        <a:ln w="9525" cap="flat" cmpd="sng" algn="ctr">
+          <a:solidFill>
+            <a:schemeClr val="phClr">
+              <a:shade val="95000"/>
+              <a:satMod val="105000"/>
+            </a:schemeClr>
+          </a:solidFill>
+          <a:prstDash val="solid"/>
+        </a:ln>
+        <a:ln w="25400" cap="flat" cmpd="sng" algn="ctr">
+          <a:solidFill>
+            <a:schemeClr val="phClr"/>
+          </a:solidFill>
+          <a:prstDash val="solid"/>
+        </a:ln>
+        <a:ln w="38100" cap="flat" cmpd="sng" algn="ctr">
+          <a:solidFill>
+            <a:schemeClr val="phClr"/>
+          </a:solidFill>
+          <a:prstDash val="solid"/>
+        </a:ln>
+      </a:lnStyleLst>
+      <a:effectStyleLst>
+        <a:effectStyle>
+          <a:effectLst>
+            <a:outerShdw blurRad="40000" dist="20000" dir="5400000" rotWithShape="0">
+              <a:srgbClr val="000000">
+                <a:alpha val="38000"/>
+              </a:srgbClr>
+            </a:outerShdw>
+          </a:effectLst>
+        </a:effectStyle>
+        <a:effectStyle>
+          <a:effectLst>
+            <a:outerShdw blurRad="40000" dist="23000" dir="5400000" rotWithShape="0">
+              <a:srgbClr val="000000">
+                <a:alpha val="35000"/>
+              </a:srgbClr>
+            </a:outerShdw>
+          </a:effectLst>
+        </a:effectStyle>
+        <a:effectStyle>
+          <a:effectLst>
+            <a:outerShdw blurRad="40000" dist="23000" dir="5400000" rotWithShape="0">
+              <a:srgbClr val="000000">
+                <a:alpha val="35000"/>
+              </a:srgbClr>
+            </a:outerShdw>
+          </a:effectLst>
+          <a:scene3d>
+            <a:camera prst="orthographicFront">
+              <a:rot lat="0" lon="0" rev="0"/>
+            </a:camera>
+            <a:lightRig rig="threePt" dir="t">
+              <a:rot lat="0" lon="0" rev="1200000"/>
+            </a:lightRig>
+          </a:scene3d>
+          <a:sp3d>
+            <a:bevelT w="63500" h="25400"/>
+          </a:sp3d>
+        </a:effectStyle>
+      </a:effectStyleLst>
+      <a:bgFillStyleLst>
+        <a:solidFill>
+          <a:schemeClr val="phClr"/>
+        </a:solidFill>
+        <a:gradFill rotWithShape="1">
+          <a:gsLst>
+            <a:gs pos="0">
+              <a:schemeClr val="phClr">
+                <a:tint val="40000"/>
+                <a:satMod val="350000"/>
+              </a:schemeClr>
+            </a:gs>
+            <a:gs pos="40000">
+              <a:schemeClr val="phClr">
+                <a:tint val="45000"/>
+                <a:shade val="99000"/>
+                <a:satMod val="350000"/>
+              </a:schemeClr>
+            </a:gs>
+            <a:gs pos="100000">
+              <a:schemeClr val="phClr">
+                <a:shade val="20000"/>
+                <a:satMod val="255000"/>
+              </a:schemeClr>
+            </a:gs>
+          </a:gsLst>
+          <a:path path="circle">
+            <a:fillToRect l="50000" t="-80000" r="50000" b="180000"/>
+          </a:path>
+        </a:gradFill>
+        <a:gradFill rotWithShape="1">
+          <a:gsLst>
+            <a:gs pos="0">
+              <a:schemeClr val="phClr">
+                <a:tint val="80000"/>
+                <a:satMod val="300000"/>
+              </a:schemeClr>
+            </a:gs>
+            <a:gs pos="100000">
+              <a:schemeClr val="phClr">
+                <a:shade val="30000"/>
+                <a:satMod val="200000"/>
+              </a:schemeClr>
+            </a:gs>
+          </a:gsLst>
+          <a:path path="circle">
+            <a:fillToRect l="50000" t="50000" r="50000" b="50000"/>
+          </a:path>
+        </a:gradFill>
+      </a:bgFillStyleLst>
+    </a:fmtScheme>
+  </a:themeElements>
+</a:theme>
+</file>
+
+<file path=ppt/theme/theme2.xml><?xml version="1.0" encoding="utf-8"?>
 <a:theme xmlns:a="http://schemas.openxmlformats.org/drawingml/2006/main" xmlns:r="http://schemas.openxmlformats.org/officeDocument/2006/relationships" name="Office Theme">
   <a:themeElements>
     <a:clrScheme name="Office">
@@ -10472,283 +11909,4 @@
     </a:fmtScheme>
   </a:themeElements>
 </a:theme>
-</file>
-
-<file path=ppt/theme/theme2.xml><?xml version="1.0" encoding="utf-8"?>
-<a:theme xmlns:a="http://schemas.openxmlformats.org/drawingml/2006/main" xmlns:r="http://schemas.openxmlformats.org/officeDocument/2006/relationships">
-  <a:themeElements>
-    <a:clrScheme name="Default">
-      <a:dk1>
-        <a:srgbClr val="000000"/>
-      </a:dk1>
-      <a:lt1>
-        <a:srgbClr val="FFFFFF"/>
-      </a:lt1>
-      <a:dk2>
-        <a:srgbClr val="158158"/>
-      </a:dk2>
-      <a:lt2>
-        <a:srgbClr val="F3F3F3"/>
-      </a:lt2>
-      <a:accent1>
-        <a:srgbClr val="058DC7"/>
-      </a:accent1>
-      <a:accent2>
-        <a:srgbClr val="50B432"/>
-      </a:accent2>
-      <a:accent3>
-        <a:srgbClr val="ED561B"/>
-      </a:accent3>
-      <a:accent4>
-        <a:srgbClr val="EDEF00"/>
-      </a:accent4>
-      <a:accent5>
-        <a:srgbClr val="24CBE5"/>
-      </a:accent5>
-      <a:accent6>
-        <a:srgbClr val="64E572"/>
-      </a:accent6>
-      <a:hlink>
-        <a:srgbClr val="2200CC"/>
-      </a:hlink>
-      <a:folHlink>
-        <a:srgbClr val="551A8B"/>
-      </a:folHlink>
-    </a:clrScheme>
-    <a:fontScheme name="Office">
-      <a:majorFont>
-        <a:latin typeface="Arial"/>
-        <a:ea typeface=""/>
-        <a:cs typeface=""/>
-        <a:font script="Jpan" typeface="ＭＳ Ｐゴシック"/>
-        <a:font script="Hang" typeface="맑은 고딕"/>
-        <a:font script="Hans" typeface="宋体"/>
-        <a:font script="Hant" typeface="新細明體"/>
-        <a:font script="Arab" typeface="Times New Roman"/>
-        <a:font script="Hebr" typeface="Times New Roman"/>
-        <a:font script="Thai" typeface="Angsana New"/>
-        <a:font script="Ethi" typeface="Nyala"/>
-        <a:font script="Beng" typeface="Vrinda"/>
-        <a:font script="Gujr" typeface="Shruti"/>
-        <a:font script="Khmr" typeface="MoolBoran"/>
-        <a:font script="Knda" typeface="Tunga"/>
-        <a:font script="Guru" typeface="Raavi"/>
-        <a:font script="Cans" typeface="Euphemia"/>
-        <a:font script="Cher" typeface="Plantagenet Cherokee"/>
-        <a:font script="Yiii" typeface="Microsoft Yi Baiti"/>
-        <a:font script="Tibt" typeface="Microsoft Himalaya"/>
-        <a:font script="Thaa" typeface="MV Boli"/>
-        <a:font script="Deva" typeface="Mangal"/>
-        <a:font script="Telu" typeface="Gautami"/>
-        <a:font script="Taml" typeface="Latha"/>
-        <a:font script="Syrc" typeface="Estrangelo Edessa"/>
-        <a:font script="Orya" typeface="Kalinga"/>
-        <a:font script="Mlym" typeface="Kartika"/>
-        <a:font script="Laoo" typeface="DokChampa"/>
-        <a:font script="Sinh" typeface="Iskoola Pota"/>
-        <a:font script="Mong" typeface="Mongolian Baiti"/>
-        <a:font script="Viet" typeface="Times New Roman"/>
-        <a:font script="Uigh" typeface="Microsoft Uighur"/>
-        <a:font script="Geor" typeface="Sylfaen"/>
-      </a:majorFont>
-      <a:minorFont>
-        <a:latin typeface="Arial"/>
-        <a:ea typeface=""/>
-        <a:cs typeface=""/>
-        <a:font script="Jpan" typeface="ＭＳ Ｐゴシック"/>
-        <a:font script="Hang" typeface="맑은 고딕"/>
-        <a:font script="Hans" typeface="宋体"/>
-        <a:font script="Hant" typeface="新細明體"/>
-        <a:font script="Arab" typeface="Arial"/>
-        <a:font script="Hebr" typeface="Arial"/>
-        <a:font script="Thai" typeface="Cordia New"/>
-        <a:font script="Ethi" typeface="Nyala"/>
-        <a:font script="Beng" typeface="Vrinda"/>
-        <a:font script="Gujr" typeface="Shruti"/>
-        <a:font script="Khmr" typeface="DaunPenh"/>
-        <a:font script="Knda" typeface="Tunga"/>
-        <a:font script="Guru" typeface="Raavi"/>
-        <a:font script="Cans" typeface="Euphemia"/>
-        <a:font script="Cher" typeface="Plantagenet Cherokee"/>
-        <a:font script="Yiii" typeface="Microsoft Yi Baiti"/>
-        <a:font script="Tibt" typeface="Microsoft Himalaya"/>
-        <a:font script="Thaa" typeface="MV Boli"/>
-        <a:font script="Deva" typeface="Mangal"/>
-        <a:font script="Telu" typeface="Gautami"/>
-        <a:font script="Taml" typeface="Latha"/>
-        <a:font script="Syrc" typeface="Estrangelo Edessa"/>
-        <a:font script="Orya" typeface="Kalinga"/>
-        <a:font script="Mlym" typeface="Kartika"/>
-        <a:font script="Laoo" typeface="DokChampa"/>
-        <a:font script="Sinh" typeface="Iskoola Pota"/>
-        <a:font script="Mong" typeface="Mongolian Baiti"/>
-        <a:font script="Viet" typeface="Arial"/>
-        <a:font script="Uigh" typeface="Microsoft Uighur"/>
-        <a:font script="Geor" typeface="Sylfaen"/>
-      </a:minorFont>
-    </a:fontScheme>
-    <a:fmtScheme name="Office">
-      <a:fillStyleLst>
-        <a:solidFill>
-          <a:schemeClr val="phClr"/>
-        </a:solidFill>
-        <a:gradFill rotWithShape="1">
-          <a:gsLst>
-            <a:gs pos="0">
-              <a:schemeClr val="phClr">
-                <a:tint val="50000"/>
-                <a:satMod val="300000"/>
-              </a:schemeClr>
-            </a:gs>
-            <a:gs pos="35000">
-              <a:schemeClr val="phClr">
-                <a:tint val="37000"/>
-                <a:satMod val="300000"/>
-              </a:schemeClr>
-            </a:gs>
-            <a:gs pos="100000">
-              <a:schemeClr val="phClr">
-                <a:tint val="15000"/>
-                <a:satMod val="350000"/>
-              </a:schemeClr>
-            </a:gs>
-          </a:gsLst>
-          <a:lin ang="16200000" scaled="1"/>
-        </a:gradFill>
-        <a:gradFill rotWithShape="1">
-          <a:gsLst>
-            <a:gs pos="0">
-              <a:schemeClr val="phClr">
-                <a:tint val="100000"/>
-                <a:shade val="100000"/>
-                <a:satMod val="130000"/>
-              </a:schemeClr>
-            </a:gs>
-            <a:gs pos="100000">
-              <a:schemeClr val="phClr">
-                <a:tint val="50000"/>
-                <a:shade val="100000"/>
-                <a:satMod val="350000"/>
-              </a:schemeClr>
-            </a:gs>
-          </a:gsLst>
-          <a:lin ang="16200000" scaled="0"/>
-        </a:gradFill>
-      </a:fillStyleLst>
-      <a:lnStyleLst>
-        <a:ln w="9525" cap="flat" cmpd="sng" algn="ctr">
-          <a:solidFill>
-            <a:schemeClr val="phClr">
-              <a:shade val="95000"/>
-              <a:satMod val="105000"/>
-            </a:schemeClr>
-          </a:solidFill>
-          <a:prstDash val="solid"/>
-        </a:ln>
-        <a:ln w="25400" cap="flat" cmpd="sng" algn="ctr">
-          <a:solidFill>
-            <a:schemeClr val="phClr"/>
-          </a:solidFill>
-          <a:prstDash val="solid"/>
-        </a:ln>
-        <a:ln w="38100" cap="flat" cmpd="sng" algn="ctr">
-          <a:solidFill>
-            <a:schemeClr val="phClr"/>
-          </a:solidFill>
-          <a:prstDash val="solid"/>
-        </a:ln>
-      </a:lnStyleLst>
-      <a:effectStyleLst>
-        <a:effectStyle>
-          <a:effectLst>
-            <a:outerShdw blurRad="40000" dist="20000" dir="5400000" rotWithShape="0">
-              <a:srgbClr val="000000">
-                <a:alpha val="38000"/>
-              </a:srgbClr>
-            </a:outerShdw>
-          </a:effectLst>
-        </a:effectStyle>
-        <a:effectStyle>
-          <a:effectLst>
-            <a:outerShdw blurRad="40000" dist="23000" dir="5400000" rotWithShape="0">
-              <a:srgbClr val="000000">
-                <a:alpha val="35000"/>
-              </a:srgbClr>
-            </a:outerShdw>
-          </a:effectLst>
-        </a:effectStyle>
-        <a:effectStyle>
-          <a:effectLst>
-            <a:outerShdw blurRad="40000" dist="23000" dir="5400000" rotWithShape="0">
-              <a:srgbClr val="000000">
-                <a:alpha val="35000"/>
-              </a:srgbClr>
-            </a:outerShdw>
-          </a:effectLst>
-          <a:scene3d>
-            <a:camera prst="orthographicFront">
-              <a:rot lat="0" lon="0" rev="0"/>
-            </a:camera>
-            <a:lightRig rig="threePt" dir="t">
-              <a:rot lat="0" lon="0" rev="1200000"/>
-            </a:lightRig>
-          </a:scene3d>
-          <a:sp3d>
-            <a:bevelT w="63500" h="25400"/>
-          </a:sp3d>
-        </a:effectStyle>
-      </a:effectStyleLst>
-      <a:bgFillStyleLst>
-        <a:solidFill>
-          <a:schemeClr val="phClr"/>
-        </a:solidFill>
-        <a:gradFill rotWithShape="1">
-          <a:gsLst>
-            <a:gs pos="0">
-              <a:schemeClr val="phClr">
-                <a:tint val="40000"/>
-                <a:satMod val="350000"/>
-              </a:schemeClr>
-            </a:gs>
-            <a:gs pos="40000">
-              <a:schemeClr val="phClr">
-                <a:tint val="45000"/>
-                <a:shade val="99000"/>
-                <a:satMod val="350000"/>
-              </a:schemeClr>
-            </a:gs>
-            <a:gs pos="100000">
-              <a:schemeClr val="phClr">
-                <a:shade val="20000"/>
-                <a:satMod val="255000"/>
-              </a:schemeClr>
-            </a:gs>
-          </a:gsLst>
-          <a:path path="circle">
-            <a:fillToRect l="50000" t="-80000" r="50000" b="180000"/>
-          </a:path>
-        </a:gradFill>
-        <a:gradFill rotWithShape="1">
-          <a:gsLst>
-            <a:gs pos="0">
-              <a:schemeClr val="phClr">
-                <a:tint val="80000"/>
-                <a:satMod val="300000"/>
-              </a:schemeClr>
-            </a:gs>
-            <a:gs pos="100000">
-              <a:schemeClr val="phClr">
-                <a:shade val="30000"/>
-                <a:satMod val="200000"/>
-              </a:schemeClr>
-            </a:gs>
-          </a:gsLst>
-          <a:path path="circle">
-            <a:fillToRect l="50000" t="50000" r="50000" b="50000"/>
-          </a:path>
-        </a:gradFill>
-      </a:bgFillStyleLst>
-    </a:fmtScheme>
-  </a:themeElements>
-</a:theme>
 </file>
--- a/Dcoders.pptx
+++ b/Dcoders.pptx
@@ -10113,7 +10113,7 @@
         </p:blipFill>
         <p:spPr>
           <a:xfrm>
-            <a:off x="2808105" y="516255"/>
+            <a:off x="168410" y="492760"/>
             <a:ext cx="2413800" cy="1300320"/>
           </a:xfrm>
           <a:prstGeom prst="rect">
@@ -10140,61 +10140,8 @@
         </p:blipFill>
         <p:spPr>
           <a:xfrm>
-            <a:off x="2563925" y="3569610"/>
+            <a:off x="7415" y="2238015"/>
             <a:ext cx="2121120" cy="1413720"/>
-          </a:xfrm>
-          <a:prstGeom prst="rect">
-            <a:avLst/>
-          </a:prstGeom>
-          <a:noFill/>
-          <a:ln>
-            <a:noFill/>
-          </a:ln>
-        </p:spPr>
-      </p:pic>
-      <p:pic>
-        <p:nvPicPr>
-          <p:cNvPr id="110" name="Google Shape;110;p17"/>
-          <p:cNvPicPr preferRelativeResize="0"/>
-          <p:nvPr/>
-        </p:nvPicPr>
-        <p:blipFill rotWithShape="1">
-          <a:blip r:embed="rId3"/>
-          <a:srcRect/>
-          <a:stretch>
-            <a:fillRect/>
-          </a:stretch>
-        </p:blipFill>
-        <p:spPr>
-          <a:xfrm>
-            <a:off x="291185" y="140213"/>
-            <a:ext cx="1887120" cy="1887120"/>
-          </a:xfrm>
-          <a:prstGeom prst="rect">
-            <a:avLst/>
-          </a:prstGeom>
-          <a:noFill/>
-          <a:ln>
-            <a:noFill/>
-          </a:ln>
-        </p:spPr>
-      </p:pic>
-      <p:pic>
-        <p:nvPicPr>
-          <p:cNvPr id="111" name="Google Shape;111;p17"/>
-          <p:cNvPicPr preferRelativeResize="0"/>
-          <p:nvPr/>
-        </p:nvPicPr>
-        <p:blipFill>
-          <a:blip r:embed="rId4"/>
-          <a:stretch>
-            <a:fillRect/>
-          </a:stretch>
-        </p:blipFill>
-        <p:spPr>
-          <a:xfrm flipH="1">
-            <a:off x="155516" y="3791803"/>
-            <a:ext cx="1287650" cy="1191519"/>
           </a:xfrm>
           <a:prstGeom prst="rect">
             <a:avLst/>
@@ -10212,41 +10159,15 @@
           <p:nvPr/>
         </p:nvPicPr>
         <p:blipFill>
-          <a:blip r:embed="rId5"/>
+          <a:blip r:embed="rId3"/>
           <a:stretch>
             <a:fillRect/>
           </a:stretch>
         </p:blipFill>
         <p:spPr>
           <a:xfrm>
-            <a:off x="162408" y="1927802"/>
+            <a:off x="3337408" y="536517"/>
             <a:ext cx="1641774" cy="1641800"/>
-          </a:xfrm>
-          <a:prstGeom prst="rect">
-            <a:avLst/>
-          </a:prstGeom>
-          <a:noFill/>
-          <a:ln>
-            <a:noFill/>
-          </a:ln>
-        </p:spPr>
-      </p:pic>
-      <p:pic>
-        <p:nvPicPr>
-          <p:cNvPr id="113" name="Google Shape;113;p17"/>
-          <p:cNvPicPr preferRelativeResize="0"/>
-          <p:nvPr/>
-        </p:nvPicPr>
-        <p:blipFill>
-          <a:blip r:embed="rId6"/>
-          <a:stretch>
-            <a:fillRect/>
-          </a:stretch>
-        </p:blipFill>
-        <p:spPr>
-          <a:xfrm>
-            <a:off x="2644775" y="2100050"/>
-            <a:ext cx="1959424" cy="1469549"/>
           </a:xfrm>
           <a:prstGeom prst="rect">
             <a:avLst/>
@@ -10264,7 +10185,7 @@
           <p:nvPr/>
         </p:nvPicPr>
         <p:blipFill>
-          <a:blip r:embed="rId7"/>
+          <a:blip r:embed="rId4"/>
           <a:stretch>
             <a:fillRect/>
           </a:stretch>
